--- a/Poster.pptx
+++ b/Poster.pptx
@@ -10,7 +10,7 @@
   <p:sldIdLst>
     <p:sldId id="256" r:id="rId2"/>
   </p:sldIdLst>
-  <p:sldSz cx="43891200" cy="32918400"/>
+  <p:sldSz cx="29260800" cy="43891200"/>
   <p:notesSz cx="9144000" cy="6858000"/>
   <p:defaultTextStyle>
     <a:defPPr>
@@ -197,7 +197,7 @@
           <a:p>
             <a:fld id="{0F4DD9B4-9E58-2747-89A8-441B2BCD9789}" type="datetimeFigureOut">
               <a:rPr lang="en-US" smtClean="0"/>
-              <a:t>7/27/19</a:t>
+              <a:t>7/28/19</a:t>
             </a:fld>
             <a:endParaRPr lang="en-US"/>
           </a:p>
@@ -215,8 +215,8 @@
         </p:nvSpPr>
         <p:spPr>
           <a:xfrm>
-            <a:off x="3028950" y="857250"/>
-            <a:ext cx="3086100" cy="2314575"/>
+            <a:off x="3800475" y="857250"/>
+            <a:ext cx="1543050" cy="2314575"/>
           </a:xfrm>
           <a:prstGeom prst="rect">
             <a:avLst/>
@@ -493,8 +493,8 @@
         </p:nvSpPr>
         <p:spPr>
           <a:xfrm>
-            <a:off x="3028950" y="857250"/>
-            <a:ext cx="3086100" cy="2314575"/>
+            <a:off x="3800475" y="857250"/>
+            <a:ext cx="1543050" cy="2314575"/>
           </a:xfrm>
         </p:spPr>
       </p:sp>
@@ -582,15 +582,15 @@
         </p:nvSpPr>
         <p:spPr>
           <a:xfrm>
-            <a:off x="3291840" y="5387342"/>
-            <a:ext cx="37307520" cy="11460480"/>
+            <a:off x="2194560" y="7183123"/>
+            <a:ext cx="24871680" cy="15280640"/>
           </a:xfrm>
         </p:spPr>
         <p:txBody>
           <a:bodyPr anchor="b"/>
           <a:lstStyle>
             <a:lvl1pPr algn="ctr">
-              <a:defRPr sz="28800"/>
+              <a:defRPr sz="19201"/>
             </a:lvl1pPr>
           </a:lstStyle>
           <a:p>
@@ -614,8 +614,8 @@
         </p:nvSpPr>
         <p:spPr>
           <a:xfrm>
-            <a:off x="5486400" y="17289782"/>
-            <a:ext cx="32918400" cy="7947658"/>
+            <a:off x="3657600" y="23053043"/>
+            <a:ext cx="21945600" cy="10596877"/>
           </a:xfrm>
         </p:spPr>
         <p:txBody>
@@ -623,39 +623,39 @@
           <a:lstStyle>
             <a:lvl1pPr marL="0" indent="0" algn="ctr">
               <a:buNone/>
-              <a:defRPr sz="11520"/>
+              <a:defRPr sz="7680"/>
             </a:lvl1pPr>
-            <a:lvl2pPr marL="2194560" indent="0" algn="ctr">
-              <a:buNone/>
-              <a:defRPr sz="9600"/>
+            <a:lvl2pPr marL="1463113" indent="0" algn="ctr">
+              <a:buNone/>
+              <a:defRPr sz="6400"/>
             </a:lvl2pPr>
-            <a:lvl3pPr marL="4389120" indent="0" algn="ctr">
-              <a:buNone/>
-              <a:defRPr sz="8640"/>
+            <a:lvl3pPr marL="2926226" indent="0" algn="ctr">
+              <a:buNone/>
+              <a:defRPr sz="5760"/>
             </a:lvl3pPr>
-            <a:lvl4pPr marL="6583680" indent="0" algn="ctr">
-              <a:buNone/>
-              <a:defRPr sz="7680"/>
+            <a:lvl4pPr marL="4389339" indent="0" algn="ctr">
+              <a:buNone/>
+              <a:defRPr sz="5120"/>
             </a:lvl4pPr>
-            <a:lvl5pPr marL="8778240" indent="0" algn="ctr">
-              <a:buNone/>
-              <a:defRPr sz="7680"/>
+            <a:lvl5pPr marL="5852453" indent="0" algn="ctr">
+              <a:buNone/>
+              <a:defRPr sz="5120"/>
             </a:lvl5pPr>
-            <a:lvl6pPr marL="10972800" indent="0" algn="ctr">
-              <a:buNone/>
-              <a:defRPr sz="7680"/>
+            <a:lvl6pPr marL="7315566" indent="0" algn="ctr">
+              <a:buNone/>
+              <a:defRPr sz="5120"/>
             </a:lvl6pPr>
-            <a:lvl7pPr marL="13167360" indent="0" algn="ctr">
-              <a:buNone/>
-              <a:defRPr sz="7680"/>
+            <a:lvl7pPr marL="8778679" indent="0" algn="ctr">
+              <a:buNone/>
+              <a:defRPr sz="5120"/>
             </a:lvl7pPr>
-            <a:lvl8pPr marL="15361920" indent="0" algn="ctr">
-              <a:buNone/>
-              <a:defRPr sz="7680"/>
+            <a:lvl8pPr marL="10241792" indent="0" algn="ctr">
+              <a:buNone/>
+              <a:defRPr sz="5120"/>
             </a:lvl8pPr>
-            <a:lvl9pPr marL="17556480" indent="0" algn="ctr">
-              <a:buNone/>
-              <a:defRPr sz="7680"/>
+            <a:lvl9pPr marL="11704905" indent="0" algn="ctr">
+              <a:buNone/>
+              <a:defRPr sz="5120"/>
             </a:lvl9pPr>
           </a:lstStyle>
           <a:p>
@@ -684,7 +684,7 @@
           <a:p>
             <a:fld id="{D005D1C5-53E9-214F-89C0-5B09970B3615}" type="datetimeFigureOut">
               <a:rPr lang="en-US" smtClean="0"/>
-              <a:t>7/27/19</a:t>
+              <a:t>7/28/19</a:t>
             </a:fld>
             <a:endParaRPr lang="en-US"/>
           </a:p>
@@ -854,7 +854,7 @@
           <a:p>
             <a:fld id="{D005D1C5-53E9-214F-89C0-5B09970B3615}" type="datetimeFigureOut">
               <a:rPr lang="en-US" smtClean="0"/>
-              <a:t>7/27/19</a:t>
+              <a:t>7/28/19</a:t>
             </a:fld>
             <a:endParaRPr lang="en-US"/>
           </a:p>
@@ -944,8 +944,8 @@
         </p:nvSpPr>
         <p:spPr>
           <a:xfrm>
-            <a:off x="31409642" y="1752600"/>
-            <a:ext cx="9464040" cy="27896822"/>
+            <a:off x="20939761" y="2336800"/>
+            <a:ext cx="6309360" cy="37195763"/>
           </a:xfrm>
         </p:spPr>
         <p:txBody>
@@ -972,8 +972,8 @@
         </p:nvSpPr>
         <p:spPr>
           <a:xfrm>
-            <a:off x="3017522" y="1752600"/>
-            <a:ext cx="27843480" cy="27896822"/>
+            <a:off x="2011681" y="2336800"/>
+            <a:ext cx="18562320" cy="37195763"/>
           </a:xfrm>
         </p:spPr>
         <p:txBody>
@@ -1034,7 +1034,7 @@
           <a:p>
             <a:fld id="{D005D1C5-53E9-214F-89C0-5B09970B3615}" type="datetimeFigureOut">
               <a:rPr lang="en-US" smtClean="0"/>
-              <a:t>7/27/19</a:t>
+              <a:t>7/28/19</a:t>
             </a:fld>
             <a:endParaRPr lang="en-US"/>
           </a:p>
@@ -1204,7 +1204,7 @@
           <a:p>
             <a:fld id="{D005D1C5-53E9-214F-89C0-5B09970B3615}" type="datetimeFigureOut">
               <a:rPr lang="en-US" smtClean="0"/>
-              <a:t>7/27/19</a:t>
+              <a:t>7/28/19</a:t>
             </a:fld>
             <a:endParaRPr lang="en-US"/>
           </a:p>
@@ -1294,15 +1294,15 @@
         </p:nvSpPr>
         <p:spPr>
           <a:xfrm>
-            <a:off x="2994662" y="8206749"/>
-            <a:ext cx="37856160" cy="13693138"/>
+            <a:off x="1996441" y="10942332"/>
+            <a:ext cx="25237440" cy="18257517"/>
           </a:xfrm>
         </p:spPr>
         <p:txBody>
           <a:bodyPr anchor="b"/>
           <a:lstStyle>
             <a:lvl1pPr>
-              <a:defRPr sz="28800"/>
+              <a:defRPr sz="19201"/>
             </a:lvl1pPr>
           </a:lstStyle>
           <a:p>
@@ -1326,8 +1326,8 @@
         </p:nvSpPr>
         <p:spPr>
           <a:xfrm>
-            <a:off x="2994662" y="22029429"/>
-            <a:ext cx="37856160" cy="7200898"/>
+            <a:off x="1996441" y="29372572"/>
+            <a:ext cx="25237440" cy="9601197"/>
           </a:xfrm>
         </p:spPr>
         <p:txBody>
@@ -1335,15 +1335,15 @@
           <a:lstStyle>
             <a:lvl1pPr marL="0" indent="0">
               <a:buNone/>
-              <a:defRPr sz="11520">
+              <a:defRPr sz="7680">
                 <a:solidFill>
                   <a:schemeClr val="tx1"/>
                 </a:solidFill>
               </a:defRPr>
             </a:lvl1pPr>
-            <a:lvl2pPr marL="2194560" indent="0">
-              <a:buNone/>
-              <a:defRPr sz="9600">
+            <a:lvl2pPr marL="1463113" indent="0">
+              <a:buNone/>
+              <a:defRPr sz="6400">
                 <a:solidFill>
                   <a:schemeClr val="tx1">
                     <a:tint val="75000"/>
@@ -1351,9 +1351,9 @@
                 </a:solidFill>
               </a:defRPr>
             </a:lvl2pPr>
-            <a:lvl3pPr marL="4389120" indent="0">
-              <a:buNone/>
-              <a:defRPr sz="8640">
+            <a:lvl3pPr marL="2926226" indent="0">
+              <a:buNone/>
+              <a:defRPr sz="5760">
                 <a:solidFill>
                   <a:schemeClr val="tx1">
                     <a:tint val="75000"/>
@@ -1361,9 +1361,9 @@
                 </a:solidFill>
               </a:defRPr>
             </a:lvl3pPr>
-            <a:lvl4pPr marL="6583680" indent="0">
-              <a:buNone/>
-              <a:defRPr sz="7680">
+            <a:lvl4pPr marL="4389339" indent="0">
+              <a:buNone/>
+              <a:defRPr sz="5120">
                 <a:solidFill>
                   <a:schemeClr val="tx1">
                     <a:tint val="75000"/>
@@ -1371,9 +1371,9 @@
                 </a:solidFill>
               </a:defRPr>
             </a:lvl4pPr>
-            <a:lvl5pPr marL="8778240" indent="0">
-              <a:buNone/>
-              <a:defRPr sz="7680">
+            <a:lvl5pPr marL="5852453" indent="0">
+              <a:buNone/>
+              <a:defRPr sz="5120">
                 <a:solidFill>
                   <a:schemeClr val="tx1">
                     <a:tint val="75000"/>
@@ -1381,9 +1381,9 @@
                 </a:solidFill>
               </a:defRPr>
             </a:lvl5pPr>
-            <a:lvl6pPr marL="10972800" indent="0">
-              <a:buNone/>
-              <a:defRPr sz="7680">
+            <a:lvl6pPr marL="7315566" indent="0">
+              <a:buNone/>
+              <a:defRPr sz="5120">
                 <a:solidFill>
                   <a:schemeClr val="tx1">
                     <a:tint val="75000"/>
@@ -1391,9 +1391,9 @@
                 </a:solidFill>
               </a:defRPr>
             </a:lvl6pPr>
-            <a:lvl7pPr marL="13167360" indent="0">
-              <a:buNone/>
-              <a:defRPr sz="7680">
+            <a:lvl7pPr marL="8778679" indent="0">
+              <a:buNone/>
+              <a:defRPr sz="5120">
                 <a:solidFill>
                   <a:schemeClr val="tx1">
                     <a:tint val="75000"/>
@@ -1401,9 +1401,9 @@
                 </a:solidFill>
               </a:defRPr>
             </a:lvl7pPr>
-            <a:lvl8pPr marL="15361920" indent="0">
-              <a:buNone/>
-              <a:defRPr sz="7680">
+            <a:lvl8pPr marL="10241792" indent="0">
+              <a:buNone/>
+              <a:defRPr sz="5120">
                 <a:solidFill>
                   <a:schemeClr val="tx1">
                     <a:tint val="75000"/>
@@ -1411,9 +1411,9 @@
                 </a:solidFill>
               </a:defRPr>
             </a:lvl8pPr>
-            <a:lvl9pPr marL="17556480" indent="0">
-              <a:buNone/>
-              <a:defRPr sz="7680">
+            <a:lvl9pPr marL="11704905" indent="0">
+              <a:buNone/>
+              <a:defRPr sz="5120">
                 <a:solidFill>
                   <a:schemeClr val="tx1">
                     <a:tint val="75000"/>
@@ -1448,7 +1448,7 @@
           <a:p>
             <a:fld id="{D005D1C5-53E9-214F-89C0-5B09970B3615}" type="datetimeFigureOut">
               <a:rPr lang="en-US" smtClean="0"/>
-              <a:t>7/27/19</a:t>
+              <a:t>7/28/19</a:t>
             </a:fld>
             <a:endParaRPr lang="en-US"/>
           </a:p>
@@ -1561,8 +1561,8 @@
         </p:nvSpPr>
         <p:spPr>
           <a:xfrm>
-            <a:off x="3017520" y="8763000"/>
-            <a:ext cx="18653760" cy="20886422"/>
+            <a:off x="2011680" y="11684000"/>
+            <a:ext cx="12435840" cy="27848563"/>
           </a:xfrm>
         </p:spPr>
         <p:txBody>
@@ -1618,8 +1618,8 @@
         </p:nvSpPr>
         <p:spPr>
           <a:xfrm>
-            <a:off x="22219920" y="8763000"/>
-            <a:ext cx="18653760" cy="20886422"/>
+            <a:off x="14813280" y="11684000"/>
+            <a:ext cx="12435840" cy="27848563"/>
           </a:xfrm>
         </p:spPr>
         <p:txBody>
@@ -1680,7 +1680,7 @@
           <a:p>
             <a:fld id="{D005D1C5-53E9-214F-89C0-5B09970B3615}" type="datetimeFigureOut">
               <a:rPr lang="en-US" smtClean="0"/>
-              <a:t>7/27/19</a:t>
+              <a:t>7/28/19</a:t>
             </a:fld>
             <a:endParaRPr lang="en-US"/>
           </a:p>
@@ -1770,8 +1770,8 @@
         </p:nvSpPr>
         <p:spPr>
           <a:xfrm>
-            <a:off x="3023237" y="1752607"/>
-            <a:ext cx="37856160" cy="6362702"/>
+            <a:off x="2015491" y="2336809"/>
+            <a:ext cx="25237440" cy="8483603"/>
           </a:xfrm>
         </p:spPr>
         <p:txBody>
@@ -1798,8 +1798,8 @@
         </p:nvSpPr>
         <p:spPr>
           <a:xfrm>
-            <a:off x="3023242" y="8069582"/>
-            <a:ext cx="18568032" cy="3954778"/>
+            <a:off x="2015495" y="10759443"/>
+            <a:ext cx="12378688" cy="5273037"/>
           </a:xfrm>
         </p:spPr>
         <p:txBody>
@@ -1807,39 +1807,39 @@
           <a:lstStyle>
             <a:lvl1pPr marL="0" indent="0">
               <a:buNone/>
-              <a:defRPr sz="11520" b="1"/>
+              <a:defRPr sz="7680" b="1"/>
             </a:lvl1pPr>
-            <a:lvl2pPr marL="2194560" indent="0">
-              <a:buNone/>
-              <a:defRPr sz="9600" b="1"/>
+            <a:lvl2pPr marL="1463113" indent="0">
+              <a:buNone/>
+              <a:defRPr sz="6400" b="1"/>
             </a:lvl2pPr>
-            <a:lvl3pPr marL="4389120" indent="0">
-              <a:buNone/>
-              <a:defRPr sz="8640" b="1"/>
+            <a:lvl3pPr marL="2926226" indent="0">
+              <a:buNone/>
+              <a:defRPr sz="5760" b="1"/>
             </a:lvl3pPr>
-            <a:lvl4pPr marL="6583680" indent="0">
-              <a:buNone/>
-              <a:defRPr sz="7680" b="1"/>
+            <a:lvl4pPr marL="4389339" indent="0">
+              <a:buNone/>
+              <a:defRPr sz="5120" b="1"/>
             </a:lvl4pPr>
-            <a:lvl5pPr marL="8778240" indent="0">
-              <a:buNone/>
-              <a:defRPr sz="7680" b="1"/>
+            <a:lvl5pPr marL="5852453" indent="0">
+              <a:buNone/>
+              <a:defRPr sz="5120" b="1"/>
             </a:lvl5pPr>
-            <a:lvl6pPr marL="10972800" indent="0">
-              <a:buNone/>
-              <a:defRPr sz="7680" b="1"/>
+            <a:lvl6pPr marL="7315566" indent="0">
+              <a:buNone/>
+              <a:defRPr sz="5120" b="1"/>
             </a:lvl6pPr>
-            <a:lvl7pPr marL="13167360" indent="0">
-              <a:buNone/>
-              <a:defRPr sz="7680" b="1"/>
+            <a:lvl7pPr marL="8778679" indent="0">
+              <a:buNone/>
+              <a:defRPr sz="5120" b="1"/>
             </a:lvl7pPr>
-            <a:lvl8pPr marL="15361920" indent="0">
-              <a:buNone/>
-              <a:defRPr sz="7680" b="1"/>
+            <a:lvl8pPr marL="10241792" indent="0">
+              <a:buNone/>
+              <a:defRPr sz="5120" b="1"/>
             </a:lvl8pPr>
-            <a:lvl9pPr marL="17556480" indent="0">
-              <a:buNone/>
-              <a:defRPr sz="7680" b="1"/>
+            <a:lvl9pPr marL="11704905" indent="0">
+              <a:buNone/>
+              <a:defRPr sz="5120" b="1"/>
             </a:lvl9pPr>
           </a:lstStyle>
           <a:p>
@@ -1863,8 +1863,8 @@
         </p:nvSpPr>
         <p:spPr>
           <a:xfrm>
-            <a:off x="3023242" y="12024360"/>
-            <a:ext cx="18568032" cy="17686022"/>
+            <a:off x="2015495" y="16032480"/>
+            <a:ext cx="12378688" cy="23581363"/>
           </a:xfrm>
         </p:spPr>
         <p:txBody>
@@ -1920,8 +1920,8 @@
         </p:nvSpPr>
         <p:spPr>
           <a:xfrm>
-            <a:off x="22219922" y="8069582"/>
-            <a:ext cx="18659477" cy="3954778"/>
+            <a:off x="14813282" y="10759443"/>
+            <a:ext cx="12439651" cy="5273037"/>
           </a:xfrm>
         </p:spPr>
         <p:txBody>
@@ -1929,39 +1929,39 @@
           <a:lstStyle>
             <a:lvl1pPr marL="0" indent="0">
               <a:buNone/>
-              <a:defRPr sz="11520" b="1"/>
+              <a:defRPr sz="7680" b="1"/>
             </a:lvl1pPr>
-            <a:lvl2pPr marL="2194560" indent="0">
-              <a:buNone/>
-              <a:defRPr sz="9600" b="1"/>
+            <a:lvl2pPr marL="1463113" indent="0">
+              <a:buNone/>
+              <a:defRPr sz="6400" b="1"/>
             </a:lvl2pPr>
-            <a:lvl3pPr marL="4389120" indent="0">
-              <a:buNone/>
-              <a:defRPr sz="8640" b="1"/>
+            <a:lvl3pPr marL="2926226" indent="0">
+              <a:buNone/>
+              <a:defRPr sz="5760" b="1"/>
             </a:lvl3pPr>
-            <a:lvl4pPr marL="6583680" indent="0">
-              <a:buNone/>
-              <a:defRPr sz="7680" b="1"/>
+            <a:lvl4pPr marL="4389339" indent="0">
+              <a:buNone/>
+              <a:defRPr sz="5120" b="1"/>
             </a:lvl4pPr>
-            <a:lvl5pPr marL="8778240" indent="0">
-              <a:buNone/>
-              <a:defRPr sz="7680" b="1"/>
+            <a:lvl5pPr marL="5852453" indent="0">
+              <a:buNone/>
+              <a:defRPr sz="5120" b="1"/>
             </a:lvl5pPr>
-            <a:lvl6pPr marL="10972800" indent="0">
-              <a:buNone/>
-              <a:defRPr sz="7680" b="1"/>
+            <a:lvl6pPr marL="7315566" indent="0">
+              <a:buNone/>
+              <a:defRPr sz="5120" b="1"/>
             </a:lvl6pPr>
-            <a:lvl7pPr marL="13167360" indent="0">
-              <a:buNone/>
-              <a:defRPr sz="7680" b="1"/>
+            <a:lvl7pPr marL="8778679" indent="0">
+              <a:buNone/>
+              <a:defRPr sz="5120" b="1"/>
             </a:lvl7pPr>
-            <a:lvl8pPr marL="15361920" indent="0">
-              <a:buNone/>
-              <a:defRPr sz="7680" b="1"/>
+            <a:lvl8pPr marL="10241792" indent="0">
+              <a:buNone/>
+              <a:defRPr sz="5120" b="1"/>
             </a:lvl8pPr>
-            <a:lvl9pPr marL="17556480" indent="0">
-              <a:buNone/>
-              <a:defRPr sz="7680" b="1"/>
+            <a:lvl9pPr marL="11704905" indent="0">
+              <a:buNone/>
+              <a:defRPr sz="5120" b="1"/>
             </a:lvl9pPr>
           </a:lstStyle>
           <a:p>
@@ -1985,8 +1985,8 @@
         </p:nvSpPr>
         <p:spPr>
           <a:xfrm>
-            <a:off x="22219922" y="12024360"/>
-            <a:ext cx="18659477" cy="17686022"/>
+            <a:off x="14813282" y="16032480"/>
+            <a:ext cx="12439651" cy="23581363"/>
           </a:xfrm>
         </p:spPr>
         <p:txBody>
@@ -2047,7 +2047,7 @@
           <a:p>
             <a:fld id="{D005D1C5-53E9-214F-89C0-5B09970B3615}" type="datetimeFigureOut">
               <a:rPr lang="en-US" smtClean="0"/>
-              <a:t>7/27/19</a:t>
+              <a:t>7/28/19</a:t>
             </a:fld>
             <a:endParaRPr lang="en-US"/>
           </a:p>
@@ -2165,7 +2165,7 @@
           <a:p>
             <a:fld id="{D005D1C5-53E9-214F-89C0-5B09970B3615}" type="datetimeFigureOut">
               <a:rPr lang="en-US" smtClean="0"/>
-              <a:t>7/27/19</a:t>
+              <a:t>7/28/19</a:t>
             </a:fld>
             <a:endParaRPr lang="en-US"/>
           </a:p>
@@ -2260,7 +2260,7 @@
           <a:p>
             <a:fld id="{D005D1C5-53E9-214F-89C0-5B09970B3615}" type="datetimeFigureOut">
               <a:rPr lang="en-US" smtClean="0"/>
-              <a:t>7/27/19</a:t>
+              <a:t>7/28/19</a:t>
             </a:fld>
             <a:endParaRPr lang="en-US"/>
           </a:p>
@@ -2350,15 +2350,15 @@
         </p:nvSpPr>
         <p:spPr>
           <a:xfrm>
-            <a:off x="3023237" y="2194560"/>
-            <a:ext cx="14156054" cy="7680960"/>
+            <a:off x="2015492" y="2926080"/>
+            <a:ext cx="9437369" cy="10241280"/>
           </a:xfrm>
         </p:spPr>
         <p:txBody>
           <a:bodyPr anchor="b"/>
           <a:lstStyle>
             <a:lvl1pPr>
-              <a:defRPr sz="15360"/>
+              <a:defRPr sz="10241"/>
             </a:lvl1pPr>
           </a:lstStyle>
           <a:p>
@@ -2382,39 +2382,39 @@
         </p:nvSpPr>
         <p:spPr>
           <a:xfrm>
-            <a:off x="18659477" y="4739647"/>
-            <a:ext cx="22219920" cy="23393400"/>
+            <a:off x="12439651" y="6319529"/>
+            <a:ext cx="14813280" cy="31191200"/>
           </a:xfrm>
         </p:spPr>
         <p:txBody>
           <a:bodyPr/>
           <a:lstStyle>
             <a:lvl1pPr>
-              <a:defRPr sz="15360"/>
+              <a:defRPr sz="10241"/>
             </a:lvl1pPr>
             <a:lvl2pPr>
-              <a:defRPr sz="13440"/>
+              <a:defRPr sz="8960"/>
             </a:lvl2pPr>
             <a:lvl3pPr>
-              <a:defRPr sz="11520"/>
+              <a:defRPr sz="7680"/>
             </a:lvl3pPr>
             <a:lvl4pPr>
-              <a:defRPr sz="9600"/>
+              <a:defRPr sz="6400"/>
             </a:lvl4pPr>
             <a:lvl5pPr>
-              <a:defRPr sz="9600"/>
+              <a:defRPr sz="6400"/>
             </a:lvl5pPr>
             <a:lvl6pPr>
-              <a:defRPr sz="9600"/>
+              <a:defRPr sz="6400"/>
             </a:lvl6pPr>
             <a:lvl7pPr>
-              <a:defRPr sz="9600"/>
+              <a:defRPr sz="6400"/>
             </a:lvl7pPr>
             <a:lvl8pPr>
-              <a:defRPr sz="9600"/>
+              <a:defRPr sz="6400"/>
             </a:lvl8pPr>
             <a:lvl9pPr>
-              <a:defRPr sz="9600"/>
+              <a:defRPr sz="6400"/>
             </a:lvl9pPr>
           </a:lstStyle>
           <a:p>
@@ -2467,8 +2467,8 @@
         </p:nvSpPr>
         <p:spPr>
           <a:xfrm>
-            <a:off x="3023237" y="9875520"/>
-            <a:ext cx="14156054" cy="18295622"/>
+            <a:off x="2015492" y="13167360"/>
+            <a:ext cx="9437369" cy="24394163"/>
           </a:xfrm>
         </p:spPr>
         <p:txBody>
@@ -2476,39 +2476,39 @@
           <a:lstStyle>
             <a:lvl1pPr marL="0" indent="0">
               <a:buNone/>
-              <a:defRPr sz="7680"/>
+              <a:defRPr sz="5120"/>
             </a:lvl1pPr>
-            <a:lvl2pPr marL="2194560" indent="0">
-              <a:buNone/>
-              <a:defRPr sz="6720"/>
+            <a:lvl2pPr marL="1463113" indent="0">
+              <a:buNone/>
+              <a:defRPr sz="4480"/>
             </a:lvl2pPr>
-            <a:lvl3pPr marL="4389120" indent="0">
-              <a:buNone/>
-              <a:defRPr sz="5760"/>
+            <a:lvl3pPr marL="2926226" indent="0">
+              <a:buNone/>
+              <a:defRPr sz="3840"/>
             </a:lvl3pPr>
-            <a:lvl4pPr marL="6583680" indent="0">
-              <a:buNone/>
-              <a:defRPr sz="4800"/>
+            <a:lvl4pPr marL="4389339" indent="0">
+              <a:buNone/>
+              <a:defRPr sz="3200"/>
             </a:lvl4pPr>
-            <a:lvl5pPr marL="8778240" indent="0">
-              <a:buNone/>
-              <a:defRPr sz="4800"/>
+            <a:lvl5pPr marL="5852453" indent="0">
+              <a:buNone/>
+              <a:defRPr sz="3200"/>
             </a:lvl5pPr>
-            <a:lvl6pPr marL="10972800" indent="0">
-              <a:buNone/>
-              <a:defRPr sz="4800"/>
+            <a:lvl6pPr marL="7315566" indent="0">
+              <a:buNone/>
+              <a:defRPr sz="3200"/>
             </a:lvl6pPr>
-            <a:lvl7pPr marL="13167360" indent="0">
-              <a:buNone/>
-              <a:defRPr sz="4800"/>
+            <a:lvl7pPr marL="8778679" indent="0">
+              <a:buNone/>
+              <a:defRPr sz="3200"/>
             </a:lvl7pPr>
-            <a:lvl8pPr marL="15361920" indent="0">
-              <a:buNone/>
-              <a:defRPr sz="4800"/>
+            <a:lvl8pPr marL="10241792" indent="0">
+              <a:buNone/>
+              <a:defRPr sz="3200"/>
             </a:lvl8pPr>
-            <a:lvl9pPr marL="17556480" indent="0">
-              <a:buNone/>
-              <a:defRPr sz="4800"/>
+            <a:lvl9pPr marL="11704905" indent="0">
+              <a:buNone/>
+              <a:defRPr sz="3200"/>
             </a:lvl9pPr>
           </a:lstStyle>
           <a:p>
@@ -2537,7 +2537,7 @@
           <a:p>
             <a:fld id="{D005D1C5-53E9-214F-89C0-5B09970B3615}" type="datetimeFigureOut">
               <a:rPr lang="en-US" smtClean="0"/>
-              <a:t>7/27/19</a:t>
+              <a:t>7/28/19</a:t>
             </a:fld>
             <a:endParaRPr lang="en-US"/>
           </a:p>
@@ -2627,15 +2627,15 @@
         </p:nvSpPr>
         <p:spPr>
           <a:xfrm>
-            <a:off x="3023237" y="2194560"/>
-            <a:ext cx="14156054" cy="7680960"/>
+            <a:off x="2015492" y="2926080"/>
+            <a:ext cx="9437369" cy="10241280"/>
           </a:xfrm>
         </p:spPr>
         <p:txBody>
           <a:bodyPr anchor="b"/>
           <a:lstStyle>
             <a:lvl1pPr>
-              <a:defRPr sz="15360"/>
+              <a:defRPr sz="10241"/>
             </a:lvl1pPr>
           </a:lstStyle>
           <a:p>
@@ -2659,8 +2659,8 @@
         </p:nvSpPr>
         <p:spPr>
           <a:xfrm>
-            <a:off x="18659477" y="4739647"/>
-            <a:ext cx="22219920" cy="23393400"/>
+            <a:off x="12439651" y="6319529"/>
+            <a:ext cx="14813280" cy="31191200"/>
           </a:xfrm>
         </p:spPr>
         <p:txBody>
@@ -2668,39 +2668,39 @@
           <a:lstStyle>
             <a:lvl1pPr marL="0" indent="0">
               <a:buNone/>
-              <a:defRPr sz="15360"/>
+              <a:defRPr sz="10241"/>
             </a:lvl1pPr>
-            <a:lvl2pPr marL="2194560" indent="0">
-              <a:buNone/>
-              <a:defRPr sz="13440"/>
+            <a:lvl2pPr marL="1463113" indent="0">
+              <a:buNone/>
+              <a:defRPr sz="8960"/>
             </a:lvl2pPr>
-            <a:lvl3pPr marL="4389120" indent="0">
-              <a:buNone/>
-              <a:defRPr sz="11520"/>
+            <a:lvl3pPr marL="2926226" indent="0">
+              <a:buNone/>
+              <a:defRPr sz="7680"/>
             </a:lvl3pPr>
-            <a:lvl4pPr marL="6583680" indent="0">
-              <a:buNone/>
-              <a:defRPr sz="9600"/>
+            <a:lvl4pPr marL="4389339" indent="0">
+              <a:buNone/>
+              <a:defRPr sz="6400"/>
             </a:lvl4pPr>
-            <a:lvl5pPr marL="8778240" indent="0">
-              <a:buNone/>
-              <a:defRPr sz="9600"/>
+            <a:lvl5pPr marL="5852453" indent="0">
+              <a:buNone/>
+              <a:defRPr sz="6400"/>
             </a:lvl5pPr>
-            <a:lvl6pPr marL="10972800" indent="0">
-              <a:buNone/>
-              <a:defRPr sz="9600"/>
+            <a:lvl6pPr marL="7315566" indent="0">
+              <a:buNone/>
+              <a:defRPr sz="6400"/>
             </a:lvl6pPr>
-            <a:lvl7pPr marL="13167360" indent="0">
-              <a:buNone/>
-              <a:defRPr sz="9600"/>
+            <a:lvl7pPr marL="8778679" indent="0">
+              <a:buNone/>
+              <a:defRPr sz="6400"/>
             </a:lvl7pPr>
-            <a:lvl8pPr marL="15361920" indent="0">
-              <a:buNone/>
-              <a:defRPr sz="9600"/>
+            <a:lvl8pPr marL="10241792" indent="0">
+              <a:buNone/>
+              <a:defRPr sz="6400"/>
             </a:lvl8pPr>
-            <a:lvl9pPr marL="17556480" indent="0">
-              <a:buNone/>
-              <a:defRPr sz="9600"/>
+            <a:lvl9pPr marL="11704905" indent="0">
+              <a:buNone/>
+              <a:defRPr sz="6400"/>
             </a:lvl9pPr>
           </a:lstStyle>
           <a:p>
@@ -2724,8 +2724,8 @@
         </p:nvSpPr>
         <p:spPr>
           <a:xfrm>
-            <a:off x="3023237" y="9875520"/>
-            <a:ext cx="14156054" cy="18295622"/>
+            <a:off x="2015492" y="13167360"/>
+            <a:ext cx="9437369" cy="24394163"/>
           </a:xfrm>
         </p:spPr>
         <p:txBody>
@@ -2733,39 +2733,39 @@
           <a:lstStyle>
             <a:lvl1pPr marL="0" indent="0">
               <a:buNone/>
-              <a:defRPr sz="7680"/>
+              <a:defRPr sz="5120"/>
             </a:lvl1pPr>
-            <a:lvl2pPr marL="2194560" indent="0">
-              <a:buNone/>
-              <a:defRPr sz="6720"/>
+            <a:lvl2pPr marL="1463113" indent="0">
+              <a:buNone/>
+              <a:defRPr sz="4480"/>
             </a:lvl2pPr>
-            <a:lvl3pPr marL="4389120" indent="0">
-              <a:buNone/>
-              <a:defRPr sz="5760"/>
+            <a:lvl3pPr marL="2926226" indent="0">
+              <a:buNone/>
+              <a:defRPr sz="3840"/>
             </a:lvl3pPr>
-            <a:lvl4pPr marL="6583680" indent="0">
-              <a:buNone/>
-              <a:defRPr sz="4800"/>
+            <a:lvl4pPr marL="4389339" indent="0">
+              <a:buNone/>
+              <a:defRPr sz="3200"/>
             </a:lvl4pPr>
-            <a:lvl5pPr marL="8778240" indent="0">
-              <a:buNone/>
-              <a:defRPr sz="4800"/>
+            <a:lvl5pPr marL="5852453" indent="0">
+              <a:buNone/>
+              <a:defRPr sz="3200"/>
             </a:lvl5pPr>
-            <a:lvl6pPr marL="10972800" indent="0">
-              <a:buNone/>
-              <a:defRPr sz="4800"/>
+            <a:lvl6pPr marL="7315566" indent="0">
+              <a:buNone/>
+              <a:defRPr sz="3200"/>
             </a:lvl6pPr>
-            <a:lvl7pPr marL="13167360" indent="0">
-              <a:buNone/>
-              <a:defRPr sz="4800"/>
+            <a:lvl7pPr marL="8778679" indent="0">
+              <a:buNone/>
+              <a:defRPr sz="3200"/>
             </a:lvl7pPr>
-            <a:lvl8pPr marL="15361920" indent="0">
-              <a:buNone/>
-              <a:defRPr sz="4800"/>
+            <a:lvl8pPr marL="10241792" indent="0">
+              <a:buNone/>
+              <a:defRPr sz="3200"/>
             </a:lvl8pPr>
-            <a:lvl9pPr marL="17556480" indent="0">
-              <a:buNone/>
-              <a:defRPr sz="4800"/>
+            <a:lvl9pPr marL="11704905" indent="0">
+              <a:buNone/>
+              <a:defRPr sz="3200"/>
             </a:lvl9pPr>
           </a:lstStyle>
           <a:p>
@@ -2794,7 +2794,7 @@
           <a:p>
             <a:fld id="{D005D1C5-53E9-214F-89C0-5B09970B3615}" type="datetimeFigureOut">
               <a:rPr lang="en-US" smtClean="0"/>
-              <a:t>7/27/19</a:t>
+              <a:t>7/28/19</a:t>
             </a:fld>
             <a:endParaRPr lang="en-US"/>
           </a:p>
@@ -2889,8 +2889,8 @@
         </p:nvSpPr>
         <p:spPr>
           <a:xfrm>
-            <a:off x="3017520" y="1752607"/>
-            <a:ext cx="37856160" cy="6362702"/>
+            <a:off x="2011680" y="2336809"/>
+            <a:ext cx="25237440" cy="8483603"/>
           </a:xfrm>
           <a:prstGeom prst="rect">
             <a:avLst/>
@@ -2922,8 +2922,8 @@
         </p:nvSpPr>
         <p:spPr>
           <a:xfrm>
-            <a:off x="3017520" y="8763000"/>
-            <a:ext cx="37856160" cy="20886422"/>
+            <a:off x="2011680" y="11684000"/>
+            <a:ext cx="25237440" cy="27848563"/>
           </a:xfrm>
           <a:prstGeom prst="rect">
             <a:avLst/>
@@ -2984,8 +2984,8 @@
         </p:nvSpPr>
         <p:spPr>
           <a:xfrm>
-            <a:off x="3017520" y="30510487"/>
-            <a:ext cx="9875520" cy="1752600"/>
+            <a:off x="2011680" y="40680649"/>
+            <a:ext cx="6583680" cy="2336800"/>
           </a:xfrm>
           <a:prstGeom prst="rect">
             <a:avLst/>
@@ -2995,7 +2995,7 @@
           <a:bodyPr vert="horz" lIns="91440" tIns="45720" rIns="91440" bIns="45720" rtlCol="0" anchor="ctr"/>
           <a:lstStyle>
             <a:lvl1pPr algn="l">
-              <a:defRPr sz="5760">
+              <a:defRPr sz="3840">
                 <a:solidFill>
                   <a:schemeClr val="tx1">
                     <a:tint val="75000"/>
@@ -3007,7 +3007,7 @@
           <a:p>
             <a:fld id="{D005D1C5-53E9-214F-89C0-5B09970B3615}" type="datetimeFigureOut">
               <a:rPr lang="en-US" smtClean="0"/>
-              <a:t>7/27/19</a:t>
+              <a:t>7/28/19</a:t>
             </a:fld>
             <a:endParaRPr lang="en-US"/>
           </a:p>
@@ -3025,8 +3025,8 @@
         </p:nvSpPr>
         <p:spPr>
           <a:xfrm>
-            <a:off x="14538960" y="30510487"/>
-            <a:ext cx="14813280" cy="1752600"/>
+            <a:off x="9692640" y="40680649"/>
+            <a:ext cx="9875520" cy="2336800"/>
           </a:xfrm>
           <a:prstGeom prst="rect">
             <a:avLst/>
@@ -3036,7 +3036,7 @@
           <a:bodyPr vert="horz" lIns="91440" tIns="45720" rIns="91440" bIns="45720" rtlCol="0" anchor="ctr"/>
           <a:lstStyle>
             <a:lvl1pPr algn="ctr">
-              <a:defRPr sz="5760">
+              <a:defRPr sz="3840">
                 <a:solidFill>
                   <a:schemeClr val="tx1">
                     <a:tint val="75000"/>
@@ -3062,8 +3062,8 @@
         </p:nvSpPr>
         <p:spPr>
           <a:xfrm>
-            <a:off x="30998160" y="30510487"/>
-            <a:ext cx="9875520" cy="1752600"/>
+            <a:off x="20665440" y="40680649"/>
+            <a:ext cx="6583680" cy="2336800"/>
           </a:xfrm>
           <a:prstGeom prst="rect">
             <a:avLst/>
@@ -3073,7 +3073,7 @@
           <a:bodyPr vert="horz" lIns="91440" tIns="45720" rIns="91440" bIns="45720" rtlCol="0" anchor="ctr"/>
           <a:lstStyle>
             <a:lvl1pPr algn="r">
-              <a:defRPr sz="5760">
+              <a:defRPr sz="3840">
                 <a:solidFill>
                   <a:schemeClr val="tx1">
                     <a:tint val="75000"/>
@@ -3114,7 +3114,7 @@
   </p:sldLayoutIdLst>
   <p:txStyles>
     <p:titleStyle>
-      <a:lvl1pPr algn="l" defTabSz="4389120" rtl="0" eaLnBrk="1" latinLnBrk="0" hangingPunct="1">
+      <a:lvl1pPr algn="l" defTabSz="2926226" rtl="0" eaLnBrk="1" latinLnBrk="0" hangingPunct="1">
         <a:lnSpc>
           <a:spcPct val="90000"/>
         </a:lnSpc>
@@ -3122,7 +3122,7 @@
           <a:spcPct val="0"/>
         </a:spcBef>
         <a:buNone/>
-        <a:defRPr sz="21120" kern="1200">
+        <a:defRPr sz="14081" kern="1200">
           <a:solidFill>
             <a:schemeClr val="tx1"/>
           </a:solidFill>
@@ -3133,16 +3133,16 @@
       </a:lvl1pPr>
     </p:titleStyle>
     <p:bodyStyle>
-      <a:lvl1pPr marL="1097280" indent="-1097280" algn="l" defTabSz="4389120" rtl="0" eaLnBrk="1" latinLnBrk="0" hangingPunct="1">
+      <a:lvl1pPr marL="731557" indent="-731557" algn="l" defTabSz="2926226" rtl="0" eaLnBrk="1" latinLnBrk="0" hangingPunct="1">
         <a:lnSpc>
           <a:spcPct val="90000"/>
         </a:lnSpc>
         <a:spcBef>
-          <a:spcPts val="4800"/>
+          <a:spcPts val="3200"/>
         </a:spcBef>
         <a:buFont typeface="Arial" panose="020B0604020202020204" pitchFamily="34" charset="0"/>
         <a:buChar char="•"/>
-        <a:defRPr sz="13440" kern="1200">
+        <a:defRPr sz="8960" kern="1200">
           <a:solidFill>
             <a:schemeClr val="tx1"/>
           </a:solidFill>
@@ -3151,16 +3151,16 @@
           <a:cs typeface="+mn-cs"/>
         </a:defRPr>
       </a:lvl1pPr>
-      <a:lvl2pPr marL="3291840" indent="-1097280" algn="l" defTabSz="4389120" rtl="0" eaLnBrk="1" latinLnBrk="0" hangingPunct="1">
+      <a:lvl2pPr marL="2194670" indent="-731557" algn="l" defTabSz="2926226" rtl="0" eaLnBrk="1" latinLnBrk="0" hangingPunct="1">
         <a:lnSpc>
           <a:spcPct val="90000"/>
         </a:lnSpc>
         <a:spcBef>
-          <a:spcPts val="2400"/>
+          <a:spcPts val="1600"/>
         </a:spcBef>
         <a:buFont typeface="Arial" panose="020B0604020202020204" pitchFamily="34" charset="0"/>
         <a:buChar char="•"/>
-        <a:defRPr sz="11520" kern="1200">
+        <a:defRPr sz="7680" kern="1200">
           <a:solidFill>
             <a:schemeClr val="tx1"/>
           </a:solidFill>
@@ -3169,16 +3169,16 @@
           <a:cs typeface="+mn-cs"/>
         </a:defRPr>
       </a:lvl2pPr>
-      <a:lvl3pPr marL="5486400" indent="-1097280" algn="l" defTabSz="4389120" rtl="0" eaLnBrk="1" latinLnBrk="0" hangingPunct="1">
+      <a:lvl3pPr marL="3657783" indent="-731557" algn="l" defTabSz="2926226" rtl="0" eaLnBrk="1" latinLnBrk="0" hangingPunct="1">
         <a:lnSpc>
           <a:spcPct val="90000"/>
         </a:lnSpc>
         <a:spcBef>
-          <a:spcPts val="2400"/>
+          <a:spcPts val="1600"/>
         </a:spcBef>
         <a:buFont typeface="Arial" panose="020B0604020202020204" pitchFamily="34" charset="0"/>
         <a:buChar char="•"/>
-        <a:defRPr sz="9600" kern="1200">
+        <a:defRPr sz="6400" kern="1200">
           <a:solidFill>
             <a:schemeClr val="tx1"/>
           </a:solidFill>
@@ -3187,16 +3187,16 @@
           <a:cs typeface="+mn-cs"/>
         </a:defRPr>
       </a:lvl3pPr>
-      <a:lvl4pPr marL="7680960" indent="-1097280" algn="l" defTabSz="4389120" rtl="0" eaLnBrk="1" latinLnBrk="0" hangingPunct="1">
+      <a:lvl4pPr marL="5120896" indent="-731557" algn="l" defTabSz="2926226" rtl="0" eaLnBrk="1" latinLnBrk="0" hangingPunct="1">
         <a:lnSpc>
           <a:spcPct val="90000"/>
         </a:lnSpc>
         <a:spcBef>
-          <a:spcPts val="2400"/>
+          <a:spcPts val="1600"/>
         </a:spcBef>
         <a:buFont typeface="Arial" panose="020B0604020202020204" pitchFamily="34" charset="0"/>
         <a:buChar char="•"/>
-        <a:defRPr sz="8640" kern="1200">
+        <a:defRPr sz="5760" kern="1200">
           <a:solidFill>
             <a:schemeClr val="tx1"/>
           </a:solidFill>
@@ -3205,16 +3205,16 @@
           <a:cs typeface="+mn-cs"/>
         </a:defRPr>
       </a:lvl4pPr>
-      <a:lvl5pPr marL="9875520" indent="-1097280" algn="l" defTabSz="4389120" rtl="0" eaLnBrk="1" latinLnBrk="0" hangingPunct="1">
+      <a:lvl5pPr marL="6584009" indent="-731557" algn="l" defTabSz="2926226" rtl="0" eaLnBrk="1" latinLnBrk="0" hangingPunct="1">
         <a:lnSpc>
           <a:spcPct val="90000"/>
         </a:lnSpc>
         <a:spcBef>
-          <a:spcPts val="2400"/>
+          <a:spcPts val="1600"/>
         </a:spcBef>
         <a:buFont typeface="Arial" panose="020B0604020202020204" pitchFamily="34" charset="0"/>
         <a:buChar char="•"/>
-        <a:defRPr sz="8640" kern="1200">
+        <a:defRPr sz="5760" kern="1200">
           <a:solidFill>
             <a:schemeClr val="tx1"/>
           </a:solidFill>
@@ -3223,16 +3223,16 @@
           <a:cs typeface="+mn-cs"/>
         </a:defRPr>
       </a:lvl5pPr>
-      <a:lvl6pPr marL="12070080" indent="-1097280" algn="l" defTabSz="4389120" rtl="0" eaLnBrk="1" latinLnBrk="0" hangingPunct="1">
+      <a:lvl6pPr marL="8047122" indent="-731557" algn="l" defTabSz="2926226" rtl="0" eaLnBrk="1" latinLnBrk="0" hangingPunct="1">
         <a:lnSpc>
           <a:spcPct val="90000"/>
         </a:lnSpc>
         <a:spcBef>
-          <a:spcPts val="2400"/>
+          <a:spcPts val="1600"/>
         </a:spcBef>
         <a:buFont typeface="Arial" panose="020B0604020202020204" pitchFamily="34" charset="0"/>
         <a:buChar char="•"/>
-        <a:defRPr sz="8640" kern="1200">
+        <a:defRPr sz="5760" kern="1200">
           <a:solidFill>
             <a:schemeClr val="tx1"/>
           </a:solidFill>
@@ -3241,16 +3241,16 @@
           <a:cs typeface="+mn-cs"/>
         </a:defRPr>
       </a:lvl6pPr>
-      <a:lvl7pPr marL="14264640" indent="-1097280" algn="l" defTabSz="4389120" rtl="0" eaLnBrk="1" latinLnBrk="0" hangingPunct="1">
+      <a:lvl7pPr marL="9510235" indent="-731557" algn="l" defTabSz="2926226" rtl="0" eaLnBrk="1" latinLnBrk="0" hangingPunct="1">
         <a:lnSpc>
           <a:spcPct val="90000"/>
         </a:lnSpc>
         <a:spcBef>
-          <a:spcPts val="2400"/>
+          <a:spcPts val="1600"/>
         </a:spcBef>
         <a:buFont typeface="Arial" panose="020B0604020202020204" pitchFamily="34" charset="0"/>
         <a:buChar char="•"/>
-        <a:defRPr sz="8640" kern="1200">
+        <a:defRPr sz="5760" kern="1200">
           <a:solidFill>
             <a:schemeClr val="tx1"/>
           </a:solidFill>
@@ -3259,16 +3259,16 @@
           <a:cs typeface="+mn-cs"/>
         </a:defRPr>
       </a:lvl7pPr>
-      <a:lvl8pPr marL="16459200" indent="-1097280" algn="l" defTabSz="4389120" rtl="0" eaLnBrk="1" latinLnBrk="0" hangingPunct="1">
+      <a:lvl8pPr marL="10973349" indent="-731557" algn="l" defTabSz="2926226" rtl="0" eaLnBrk="1" latinLnBrk="0" hangingPunct="1">
         <a:lnSpc>
           <a:spcPct val="90000"/>
         </a:lnSpc>
         <a:spcBef>
-          <a:spcPts val="2400"/>
+          <a:spcPts val="1600"/>
         </a:spcBef>
         <a:buFont typeface="Arial" panose="020B0604020202020204" pitchFamily="34" charset="0"/>
         <a:buChar char="•"/>
-        <a:defRPr sz="8640" kern="1200">
+        <a:defRPr sz="5760" kern="1200">
           <a:solidFill>
             <a:schemeClr val="tx1"/>
           </a:solidFill>
@@ -3277,16 +3277,16 @@
           <a:cs typeface="+mn-cs"/>
         </a:defRPr>
       </a:lvl8pPr>
-      <a:lvl9pPr marL="18653760" indent="-1097280" algn="l" defTabSz="4389120" rtl="0" eaLnBrk="1" latinLnBrk="0" hangingPunct="1">
+      <a:lvl9pPr marL="12436462" indent="-731557" algn="l" defTabSz="2926226" rtl="0" eaLnBrk="1" latinLnBrk="0" hangingPunct="1">
         <a:lnSpc>
           <a:spcPct val="90000"/>
         </a:lnSpc>
         <a:spcBef>
-          <a:spcPts val="2400"/>
+          <a:spcPts val="1600"/>
         </a:spcBef>
         <a:buFont typeface="Arial" panose="020B0604020202020204" pitchFamily="34" charset="0"/>
         <a:buChar char="•"/>
-        <a:defRPr sz="8640" kern="1200">
+        <a:defRPr sz="5760" kern="1200">
           <a:solidFill>
             <a:schemeClr val="tx1"/>
           </a:solidFill>
@@ -3300,8 +3300,8 @@
       <a:defPPr>
         <a:defRPr lang="en-US"/>
       </a:defPPr>
-      <a:lvl1pPr marL="0" algn="l" defTabSz="4389120" rtl="0" eaLnBrk="1" latinLnBrk="0" hangingPunct="1">
-        <a:defRPr sz="8640" kern="1200">
+      <a:lvl1pPr marL="0" algn="l" defTabSz="2926226" rtl="0" eaLnBrk="1" latinLnBrk="0" hangingPunct="1">
+        <a:defRPr sz="5760" kern="1200">
           <a:solidFill>
             <a:schemeClr val="tx1"/>
           </a:solidFill>
@@ -3310,8 +3310,8 @@
           <a:cs typeface="+mn-cs"/>
         </a:defRPr>
       </a:lvl1pPr>
-      <a:lvl2pPr marL="2194560" algn="l" defTabSz="4389120" rtl="0" eaLnBrk="1" latinLnBrk="0" hangingPunct="1">
-        <a:defRPr sz="8640" kern="1200">
+      <a:lvl2pPr marL="1463113" algn="l" defTabSz="2926226" rtl="0" eaLnBrk="1" latinLnBrk="0" hangingPunct="1">
+        <a:defRPr sz="5760" kern="1200">
           <a:solidFill>
             <a:schemeClr val="tx1"/>
           </a:solidFill>
@@ -3320,8 +3320,8 @@
           <a:cs typeface="+mn-cs"/>
         </a:defRPr>
       </a:lvl2pPr>
-      <a:lvl3pPr marL="4389120" algn="l" defTabSz="4389120" rtl="0" eaLnBrk="1" latinLnBrk="0" hangingPunct="1">
-        <a:defRPr sz="8640" kern="1200">
+      <a:lvl3pPr marL="2926226" algn="l" defTabSz="2926226" rtl="0" eaLnBrk="1" latinLnBrk="0" hangingPunct="1">
+        <a:defRPr sz="5760" kern="1200">
           <a:solidFill>
             <a:schemeClr val="tx1"/>
           </a:solidFill>
@@ -3330,8 +3330,8 @@
           <a:cs typeface="+mn-cs"/>
         </a:defRPr>
       </a:lvl3pPr>
-      <a:lvl4pPr marL="6583680" algn="l" defTabSz="4389120" rtl="0" eaLnBrk="1" latinLnBrk="0" hangingPunct="1">
-        <a:defRPr sz="8640" kern="1200">
+      <a:lvl4pPr marL="4389339" algn="l" defTabSz="2926226" rtl="0" eaLnBrk="1" latinLnBrk="0" hangingPunct="1">
+        <a:defRPr sz="5760" kern="1200">
           <a:solidFill>
             <a:schemeClr val="tx1"/>
           </a:solidFill>
@@ -3340,8 +3340,8 @@
           <a:cs typeface="+mn-cs"/>
         </a:defRPr>
       </a:lvl4pPr>
-      <a:lvl5pPr marL="8778240" algn="l" defTabSz="4389120" rtl="0" eaLnBrk="1" latinLnBrk="0" hangingPunct="1">
-        <a:defRPr sz="8640" kern="1200">
+      <a:lvl5pPr marL="5852453" algn="l" defTabSz="2926226" rtl="0" eaLnBrk="1" latinLnBrk="0" hangingPunct="1">
+        <a:defRPr sz="5760" kern="1200">
           <a:solidFill>
             <a:schemeClr val="tx1"/>
           </a:solidFill>
@@ -3350,8 +3350,8 @@
           <a:cs typeface="+mn-cs"/>
         </a:defRPr>
       </a:lvl5pPr>
-      <a:lvl6pPr marL="10972800" algn="l" defTabSz="4389120" rtl="0" eaLnBrk="1" latinLnBrk="0" hangingPunct="1">
-        <a:defRPr sz="8640" kern="1200">
+      <a:lvl6pPr marL="7315566" algn="l" defTabSz="2926226" rtl="0" eaLnBrk="1" latinLnBrk="0" hangingPunct="1">
+        <a:defRPr sz="5760" kern="1200">
           <a:solidFill>
             <a:schemeClr val="tx1"/>
           </a:solidFill>
@@ -3360,8 +3360,8 @@
           <a:cs typeface="+mn-cs"/>
         </a:defRPr>
       </a:lvl6pPr>
-      <a:lvl7pPr marL="13167360" algn="l" defTabSz="4389120" rtl="0" eaLnBrk="1" latinLnBrk="0" hangingPunct="1">
-        <a:defRPr sz="8640" kern="1200">
+      <a:lvl7pPr marL="8778679" algn="l" defTabSz="2926226" rtl="0" eaLnBrk="1" latinLnBrk="0" hangingPunct="1">
+        <a:defRPr sz="5760" kern="1200">
           <a:solidFill>
             <a:schemeClr val="tx1"/>
           </a:solidFill>
@@ -3370,8 +3370,8 @@
           <a:cs typeface="+mn-cs"/>
         </a:defRPr>
       </a:lvl7pPr>
-      <a:lvl8pPr marL="15361920" algn="l" defTabSz="4389120" rtl="0" eaLnBrk="1" latinLnBrk="0" hangingPunct="1">
-        <a:defRPr sz="8640" kern="1200">
+      <a:lvl8pPr marL="10241792" algn="l" defTabSz="2926226" rtl="0" eaLnBrk="1" latinLnBrk="0" hangingPunct="1">
+        <a:defRPr sz="5760" kern="1200">
           <a:solidFill>
             <a:schemeClr val="tx1"/>
           </a:solidFill>
@@ -3380,8 +3380,8 @@
           <a:cs typeface="+mn-cs"/>
         </a:defRPr>
       </a:lvl8pPr>
-      <a:lvl9pPr marL="17556480" algn="l" defTabSz="4389120" rtl="0" eaLnBrk="1" latinLnBrk="0" hangingPunct="1">
-        <a:defRPr sz="8640" kern="1200">
+      <a:lvl9pPr marL="11704905" algn="l" defTabSz="2926226" rtl="0" eaLnBrk="1" latinLnBrk="0" hangingPunct="1">
+        <a:defRPr sz="5760" kern="1200">
           <a:solidFill>
             <a:schemeClr val="tx1"/>
           </a:solidFill>
@@ -3420,8 +3420,8 @@
         </p:nvSpPr>
         <p:spPr>
           <a:xfrm>
-            <a:off x="16050032" y="586559"/>
-            <a:ext cx="11009067" cy="1092607"/>
+            <a:off x="10182678" y="896507"/>
+            <a:ext cx="9716646" cy="759310"/>
           </a:xfrm>
           <a:prstGeom prst="rect">
             <a:avLst/>
@@ -3436,14 +3436,14 @@
           <a:p>
             <a:pPr algn="ctr"/>
             <a:r>
-              <a:rPr lang="en-US" sz="6500" smtClean="0">
+              <a:rPr lang="en-US" sz="4334">
                 <a:latin typeface="Nimbus Sans L" charset="0"/>
                 <a:ea typeface="Nimbus Sans L" charset="0"/>
                 <a:cs typeface="Nimbus Sans L" charset="0"/>
               </a:rPr>
               <a:t>NSF Data Science REU at HMC</a:t>
             </a:r>
-            <a:endParaRPr lang="en-US" sz="6500" dirty="0">
+            <a:endParaRPr lang="en-US" sz="4334" dirty="0">
               <a:latin typeface="Nimbus Sans L" charset="0"/>
               <a:ea typeface="Nimbus Sans L" charset="0"/>
               <a:cs typeface="Nimbus Sans L" charset="0"/>
@@ -3459,8 +3459,8 @@
         </p:nvSpPr>
         <p:spPr>
           <a:xfrm flipH="1">
-            <a:off x="5042771" y="1645565"/>
-            <a:ext cx="33023587" cy="1323439"/>
+            <a:off x="3552298" y="1574592"/>
+            <a:ext cx="22015725" cy="913199"/>
           </a:xfrm>
           <a:prstGeom prst="rect">
             <a:avLst/>
@@ -3475,7 +3475,7 @@
           <a:p>
             <a:pPr algn="ctr"/>
             <a:r>
-              <a:rPr lang="en-US" sz="8000" b="1" dirty="0" smtClean="0">
+              <a:rPr lang="en-US" sz="5334" b="1" dirty="0">
                 <a:solidFill>
                   <a:srgbClr val="F1B129"/>
                 </a:solidFill>
@@ -3486,7 +3486,7 @@
               <a:t>Analysis of Time Course RNA-Sequencing Data in </a:t>
             </a:r>
             <a:r>
-              <a:rPr lang="en-US" sz="8000" b="1" i="1" dirty="0" smtClean="0">
+              <a:rPr lang="en-US" sz="5334" b="1" i="1" dirty="0">
                 <a:solidFill>
                   <a:srgbClr val="F1B129"/>
                 </a:solidFill>
@@ -3497,7 +3497,7 @@
               <a:t>T. </a:t>
             </a:r>
             <a:r>
-              <a:rPr lang="en-US" sz="8000" b="1" i="1" dirty="0">
+              <a:rPr lang="en-US" sz="5334" b="1" i="1" dirty="0">
                 <a:solidFill>
                   <a:srgbClr val="F1B129"/>
                 </a:solidFill>
@@ -3508,7 +3508,7 @@
               <a:t>b</a:t>
             </a:r>
             <a:r>
-              <a:rPr lang="en-US" sz="8000" b="1" i="1" dirty="0" smtClean="0">
+              <a:rPr lang="en-US" sz="5334" b="1" i="1" dirty="0">
                 <a:solidFill>
                   <a:srgbClr val="F1B129"/>
                 </a:solidFill>
@@ -3519,7 +3519,7 @@
               <a:t>rucei </a:t>
             </a:r>
             <a:r>
-              <a:rPr lang="en-US" sz="8000" b="1" dirty="0" smtClean="0">
+              <a:rPr lang="en-US" sz="5334" b="1" dirty="0">
                 <a:solidFill>
                   <a:srgbClr val="F1B129"/>
                 </a:solidFill>
@@ -3530,7 +3530,7 @@
               <a:t>and </a:t>
             </a:r>
             <a:r>
-              <a:rPr lang="en-US" sz="8000" b="1" i="1" dirty="0" smtClean="0">
+              <a:rPr lang="en-US" sz="5334" b="1" i="1" dirty="0">
                 <a:solidFill>
                   <a:srgbClr val="F1B129"/>
                 </a:solidFill>
@@ -3540,7 +3540,7 @@
               </a:rPr>
               <a:t>E. coli</a:t>
             </a:r>
-            <a:endParaRPr lang="en-US" sz="8000" b="1" dirty="0">
+            <a:endParaRPr lang="en-US" sz="5334" b="1" dirty="0">
               <a:solidFill>
                 <a:srgbClr val="F1B129"/>
               </a:solidFill>
@@ -3559,8 +3559,8 @@
         </p:nvSpPr>
         <p:spPr>
           <a:xfrm>
-            <a:off x="5105349" y="3052452"/>
-            <a:ext cx="32898430" cy="2169825"/>
+            <a:off x="3596357" y="2431054"/>
+            <a:ext cx="21927606" cy="1477520"/>
           </a:xfrm>
           <a:prstGeom prst="rect">
             <a:avLst/>
@@ -3574,7 +3574,7 @@
           <a:p>
             <a:pPr algn="ctr"/>
             <a:r>
-              <a:rPr lang="en-US" sz="5500" dirty="0" smtClean="0">
+              <a:rPr lang="en-US" sz="3667" dirty="0">
                 <a:latin typeface="Nimbus Sans L" charset="0"/>
                 <a:ea typeface="Nimbus Sans L" charset="0"/>
                 <a:cs typeface="Nimbus Sans L" charset="0"/>
@@ -3582,7 +3582,7 @@
               <a:t>Annie Cohen</a:t>
             </a:r>
             <a:r>
-              <a:rPr lang="en-US" sz="5500" baseline="30000" dirty="0" smtClean="0">
+              <a:rPr lang="en-US" sz="3667" baseline="30000" dirty="0">
                 <a:latin typeface="Nimbus Sans L" charset="0"/>
                 <a:ea typeface="Nimbus Sans L" charset="0"/>
                 <a:cs typeface="Nimbus Sans L" charset="0"/>
@@ -3590,102 +3590,94 @@
               <a:t>1,3</a:t>
             </a:r>
             <a:r>
-              <a:rPr lang="en-US" sz="5500" dirty="0" smtClean="0">
+              <a:rPr lang="en-US" sz="3667" dirty="0">
                 <a:latin typeface="Nimbus Sans L" charset="0"/>
                 <a:ea typeface="Nimbus Sans L" charset="0"/>
                 <a:cs typeface="Nimbus Sans L" charset="0"/>
               </a:rPr>
-              <a:t>, </a:t>
-            </a:r>
-            <a:r>
-              <a:rPr lang="en-US" sz="5500" dirty="0" err="1" smtClean="0">
+              <a:t>, Lian Morales</a:t>
+            </a:r>
+            <a:r>
+              <a:rPr lang="en-US" sz="3667" baseline="30000" dirty="0">
                 <a:latin typeface="Nimbus Sans L" charset="0"/>
                 <a:ea typeface="Nimbus Sans L" charset="0"/>
                 <a:cs typeface="Nimbus Sans L" charset="0"/>
               </a:rPr>
-              <a:t>Lian</a:t>
-            </a:r>
-            <a:r>
-              <a:rPr lang="en-US" sz="5500" dirty="0" smtClean="0">
+              <a:t>1,4</a:t>
+            </a:r>
+            <a:r>
+              <a:rPr lang="en-US" sz="3667" dirty="0">
                 <a:latin typeface="Nimbus Sans L" charset="0"/>
                 <a:ea typeface="Nimbus Sans L" charset="0"/>
                 <a:cs typeface="Nimbus Sans L" charset="0"/>
               </a:rPr>
-              <a:t> Morales</a:t>
-            </a:r>
-            <a:r>
-              <a:rPr lang="en-US" sz="5500" baseline="30000" dirty="0" smtClean="0">
+              <a:t>, Ethan Ashby</a:t>
+            </a:r>
+            <a:r>
+              <a:rPr lang="en-US" sz="3667" baseline="30000" dirty="0">
                 <a:latin typeface="Nimbus Sans L" charset="0"/>
                 <a:ea typeface="Nimbus Sans L" charset="0"/>
                 <a:cs typeface="Nimbus Sans L" charset="0"/>
               </a:rPr>
-              <a:t>1,4</a:t>
-            </a:r>
-            <a:r>
-              <a:rPr lang="en-US" sz="5500" dirty="0" smtClean="0">
+              <a:t>1,2</a:t>
+            </a:r>
+            <a:r>
+              <a:rPr lang="en-US" sz="3667" dirty="0">
                 <a:latin typeface="Nimbus Sans L" charset="0"/>
                 <a:ea typeface="Nimbus Sans L" charset="0"/>
                 <a:cs typeface="Nimbus Sans L" charset="0"/>
               </a:rPr>
-              <a:t>, Ethan Ashby</a:t>
-            </a:r>
-            <a:r>
-              <a:rPr lang="en-US" sz="5500" baseline="30000" dirty="0" smtClean="0">
+              <a:t>, Prof. </a:t>
+            </a:r>
+            <a:r>
+              <a:rPr lang="en-US" sz="3667" dirty="0">
                 <a:latin typeface="Nimbus Sans L" charset="0"/>
                 <a:ea typeface="Nimbus Sans L" charset="0"/>
                 <a:cs typeface="Nimbus Sans L" charset="0"/>
               </a:rPr>
-              <a:t>1,2</a:t>
-            </a:r>
-            <a:r>
-              <a:rPr lang="en-US" sz="5500" dirty="0" smtClean="0">
+              <a:t>Johanna Hardin</a:t>
+            </a:r>
+            <a:r>
+              <a:rPr lang="en-US" sz="3667" baseline="30000" dirty="0">
                 <a:latin typeface="Nimbus Sans L" charset="0"/>
                 <a:ea typeface="Nimbus Sans L" charset="0"/>
                 <a:cs typeface="Nimbus Sans L" charset="0"/>
               </a:rPr>
-              <a:t>, Prof. Johanna Hardin</a:t>
-            </a:r>
-            <a:r>
-              <a:rPr lang="en-US" sz="5500" baseline="30000" dirty="0" smtClean="0">
+              <a:t>2</a:t>
+            </a:r>
+            <a:r>
+              <a:rPr lang="en-US" sz="3667" dirty="0">
                 <a:latin typeface="Nimbus Sans L" charset="0"/>
                 <a:ea typeface="Nimbus Sans L" charset="0"/>
                 <a:cs typeface="Nimbus Sans L" charset="0"/>
               </a:rPr>
-              <a:t>2</a:t>
-            </a:r>
-            <a:r>
-              <a:rPr lang="en-US" sz="5500" dirty="0" smtClean="0">
+              <a:t>, Prof. Daniel Stoebel</a:t>
+            </a:r>
+            <a:r>
+              <a:rPr lang="en-US" sz="3667" baseline="30000" dirty="0">
                 <a:latin typeface="Nimbus Sans L" charset="0"/>
                 <a:ea typeface="Nimbus Sans L" charset="0"/>
                 <a:cs typeface="Nimbus Sans L" charset="0"/>
               </a:rPr>
-              <a:t>, Prof. Daniel Stoebel</a:t>
-            </a:r>
-            <a:r>
-              <a:rPr lang="en-US" sz="5500" baseline="30000" dirty="0" smtClean="0">
+              <a:t>4</a:t>
+            </a:r>
+            <a:r>
+              <a:rPr lang="en-US" sz="3667" dirty="0">
                 <a:latin typeface="Nimbus Sans L" charset="0"/>
                 <a:ea typeface="Nimbus Sans L" charset="0"/>
                 <a:cs typeface="Nimbus Sans L" charset="0"/>
               </a:rPr>
-              <a:t>4</a:t>
-            </a:r>
-            <a:r>
-              <a:rPr lang="en-US" sz="5500" dirty="0" smtClean="0">
+              <a:t>, Prof. Danae Schulz</a:t>
+            </a:r>
+            <a:r>
+              <a:rPr lang="en-US" sz="3667" baseline="30000" dirty="0">
                 <a:latin typeface="Nimbus Sans L" charset="0"/>
                 <a:ea typeface="Nimbus Sans L" charset="0"/>
                 <a:cs typeface="Nimbus Sans L" charset="0"/>
               </a:rPr>
-              <a:t>, Prof. Danae Schulz</a:t>
-            </a:r>
-            <a:r>
-              <a:rPr lang="en-US" sz="5500" baseline="30000" dirty="0" smtClean="0">
-                <a:latin typeface="Nimbus Sans L" charset="0"/>
-                <a:ea typeface="Nimbus Sans L" charset="0"/>
-                <a:cs typeface="Nimbus Sans L" charset="0"/>
-              </a:rPr>
               <a:t>4</a:t>
             </a:r>
-            <a:endParaRPr lang="en-US" sz="5500" dirty="0" smtClean="0">
+            <a:endParaRPr lang="en-US" sz="3667" dirty="0">
               <a:latin typeface="Nimbus Sans L" charset="0"/>
               <a:ea typeface="Nimbus Sans L" charset="0"/>
               <a:cs typeface="Nimbus Sans L" charset="0"/>
@@ -3694,7 +3686,7 @@
           <a:p>
             <a:pPr algn="ctr"/>
             <a:r>
-              <a:rPr lang="en-US" sz="4000" baseline="30000" dirty="0" smtClean="0">
+              <a:rPr lang="en-US" sz="2667" baseline="30000" dirty="0">
                 <a:latin typeface="Nimbus Sans L" charset="0"/>
                 <a:ea typeface="Nimbus Sans L" charset="0"/>
                 <a:cs typeface="Nimbus Sans L" charset="0"/>
@@ -3702,7 +3694,7 @@
               <a:t>1</a:t>
             </a:r>
             <a:r>
-              <a:rPr lang="en-US" sz="4000" dirty="0" smtClean="0">
+              <a:rPr lang="en-US" sz="2667" dirty="0">
                 <a:latin typeface="Nimbus Sans L" charset="0"/>
                 <a:ea typeface="Nimbus Sans L" charset="0"/>
                 <a:cs typeface="Nimbus Sans L" charset="0"/>
@@ -3710,7 +3702,7 @@
               <a:t>NSF Data Science REU at HMC, </a:t>
             </a:r>
             <a:r>
-              <a:rPr lang="en-US" sz="4000" baseline="30000" dirty="0" smtClean="0">
+              <a:rPr lang="en-US" sz="2667" baseline="30000" dirty="0">
                 <a:latin typeface="Nimbus Sans L" charset="0"/>
                 <a:ea typeface="Nimbus Sans L" charset="0"/>
                 <a:cs typeface="Nimbus Sans L" charset="0"/>
@@ -3718,7 +3710,7 @@
               <a:t>2</a:t>
             </a:r>
             <a:r>
-              <a:rPr lang="en-US" sz="4000" dirty="0" smtClean="0">
+              <a:rPr lang="en-US" sz="2667" dirty="0">
                 <a:latin typeface="Nimbus Sans L" charset="0"/>
                 <a:ea typeface="Nimbus Sans L" charset="0"/>
                 <a:cs typeface="Nimbus Sans L" charset="0"/>
@@ -3726,7 +3718,7 @@
               <a:t>Pomona College Department of Mathematics, </a:t>
             </a:r>
             <a:r>
-              <a:rPr lang="en-US" sz="4000" baseline="30000" dirty="0" smtClean="0">
+              <a:rPr lang="en-US" sz="2667" baseline="30000" dirty="0">
                 <a:latin typeface="Nimbus Sans L" charset="0"/>
                 <a:ea typeface="Nimbus Sans L" charset="0"/>
                 <a:cs typeface="Nimbus Sans L" charset="0"/>
@@ -3734,7 +3726,7 @@
               <a:t>3</a:t>
             </a:r>
             <a:r>
-              <a:rPr lang="en-US" sz="4000" dirty="0" smtClean="0">
+              <a:rPr lang="en-US" sz="2667" dirty="0">
                 <a:latin typeface="Nimbus Sans L" charset="0"/>
                 <a:ea typeface="Nimbus Sans L" charset="0"/>
                 <a:cs typeface="Nimbus Sans L" charset="0"/>
@@ -3745,7 +3737,7 @@
           <a:p>
             <a:pPr algn="ctr"/>
             <a:r>
-              <a:rPr lang="en-US" sz="4000" baseline="30000" dirty="0" smtClean="0">
+              <a:rPr lang="en-US" sz="2667" baseline="30000" dirty="0">
                 <a:latin typeface="Nimbus Sans L" charset="0"/>
                 <a:ea typeface="Nimbus Sans L" charset="0"/>
                 <a:cs typeface="Nimbus Sans L" charset="0"/>
@@ -3753,30 +3745,14 @@
               <a:t>4</a:t>
             </a:r>
             <a:r>
-              <a:rPr lang="en-US" sz="4000" dirty="0" smtClean="0">
+              <a:rPr lang="en-US" sz="2667" dirty="0">
                 <a:latin typeface="Nimbus Sans L" charset="0"/>
                 <a:ea typeface="Nimbus Sans L" charset="0"/>
                 <a:cs typeface="Nimbus Sans L" charset="0"/>
               </a:rPr>
-              <a:t>Harvey </a:t>
-            </a:r>
-            <a:r>
-              <a:rPr lang="en-US" sz="4000" dirty="0" err="1" smtClean="0">
-                <a:latin typeface="Nimbus Sans L" charset="0"/>
-                <a:ea typeface="Nimbus Sans L" charset="0"/>
-                <a:cs typeface="Nimbus Sans L" charset="0"/>
-              </a:rPr>
-              <a:t>Mudd</a:t>
-            </a:r>
-            <a:r>
-              <a:rPr lang="en-US" sz="4000" dirty="0" smtClean="0">
-                <a:latin typeface="Nimbus Sans L" charset="0"/>
-                <a:ea typeface="Nimbus Sans L" charset="0"/>
-                <a:cs typeface="Nimbus Sans L" charset="0"/>
-              </a:rPr>
-              <a:t> College Department of Biology</a:t>
-            </a:r>
-            <a:endParaRPr lang="en-US" sz="4000" baseline="30000" dirty="0">
+              <a:t>Harvey Mudd College Department of Biology</a:t>
+            </a:r>
+            <a:endParaRPr lang="en-US" sz="2667" baseline="30000" dirty="0">
               <a:latin typeface="Nimbus Sans L" charset="0"/>
               <a:ea typeface="Nimbus Sans L" charset="0"/>
               <a:cs typeface="Nimbus Sans L" charset="0"/>
@@ -3792,8 +3768,8 @@
         </p:nvCxnSpPr>
         <p:spPr>
           <a:xfrm>
-            <a:off x="1416434" y="5690395"/>
-            <a:ext cx="40994525" cy="0"/>
+            <a:off x="828516" y="4093664"/>
+            <a:ext cx="27432000" cy="0"/>
           </a:xfrm>
           <a:prstGeom prst="line">
             <a:avLst/>
@@ -3841,8 +3817,8 @@
         </p:blipFill>
         <p:spPr>
           <a:xfrm>
-            <a:off x="732810" y="1140204"/>
-            <a:ext cx="3657600" cy="3657600"/>
+            <a:off x="1150922" y="1072209"/>
+            <a:ext cx="2438400" cy="2438400"/>
           </a:xfrm>
           <a:prstGeom prst="rect">
             <a:avLst/>
@@ -3857,8 +3833,8 @@
         </p:nvSpPr>
         <p:spPr>
           <a:xfrm>
-            <a:off x="1252010" y="6943705"/>
-            <a:ext cx="5500950" cy="1015663"/>
+            <a:off x="834673" y="15601937"/>
+            <a:ext cx="3667300" cy="707886"/>
           </a:xfrm>
           <a:prstGeom prst="rect">
             <a:avLst/>
@@ -3872,7 +3848,7 @@
           <a:lstStyle/>
           <a:p>
             <a:r>
-              <a:rPr lang="en-US" sz="6000" b="1" dirty="0">
+              <a:rPr lang="en-US" sz="4000" b="1" dirty="0">
                 <a:latin typeface="Nimbus Sans L" charset="0"/>
                 <a:ea typeface="Nimbus Sans L" charset="0"/>
                 <a:cs typeface="Nimbus Sans L" charset="0"/>
@@ -3890,8 +3866,8 @@
         </p:nvSpPr>
         <p:spPr>
           <a:xfrm>
-            <a:off x="1242775" y="8206662"/>
-            <a:ext cx="13365043" cy="1754326"/>
+            <a:off x="828517" y="16443909"/>
+            <a:ext cx="8910029" cy="1200329"/>
           </a:xfrm>
           <a:prstGeom prst="rect">
             <a:avLst/>
@@ -3905,7 +3881,7 @@
           <a:lstStyle/>
           <a:p>
             <a:r>
-              <a:rPr lang="en-US" sz="3600" dirty="0">
+              <a:rPr lang="en-US" sz="2400" dirty="0">
                 <a:latin typeface="Book Antiqua" panose="02040602050305030304" pitchFamily="18" charset="0"/>
                 <a:ea typeface="CMU Serif" charset="0"/>
                 <a:cs typeface="CMU Serif" charset="0"/>
@@ -3915,7 +3891,7 @@
           </a:p>
           <a:p>
             <a:r>
-              <a:rPr lang="en-US" sz="3600" dirty="0">
+              <a:rPr lang="en-US" sz="2400" dirty="0">
                 <a:latin typeface="Book Antiqua" panose="02040602050305030304" pitchFamily="18" charset="0"/>
                 <a:ea typeface="CMU Serif" charset="0"/>
                 <a:cs typeface="CMU Serif" charset="0"/>
@@ -3933,8 +3909,8 @@
         </p:nvCxnSpPr>
         <p:spPr>
           <a:xfrm>
-            <a:off x="21901693" y="5617499"/>
-            <a:ext cx="24005" cy="26358555"/>
+            <a:off x="14738236" y="4093664"/>
+            <a:ext cx="0" cy="38294662"/>
           </a:xfrm>
           <a:prstGeom prst="line">
             <a:avLst/>
@@ -3968,8 +3944,8 @@
         </p:nvSpPr>
         <p:spPr>
           <a:xfrm>
-            <a:off x="22230842" y="7999679"/>
-            <a:ext cx="13306067" cy="3970318"/>
+            <a:off x="14851148" y="5666997"/>
+            <a:ext cx="13373692" cy="4832092"/>
           </a:xfrm>
           <a:prstGeom prst="rect">
             <a:avLst/>
@@ -3982,7 +3958,7 @@
           <a:lstStyle/>
           <a:p>
             <a:r>
-              <a:rPr lang="en-US" sz="3600" i="1" dirty="0" smtClean="0">
+              <a:rPr lang="en-US" sz="2800" i="1" dirty="0">
                 <a:latin typeface="Book Antiqua" panose="02040602050305030304" pitchFamily="18" charset="0"/>
                 <a:ea typeface="CMU Serif Roman" charset="0"/>
                 <a:cs typeface="CMU Serif Roman" charset="0"/>
@@ -3990,7 +3966,7 @@
               <a:t>Escherichia coli (E. coli) </a:t>
             </a:r>
             <a:r>
-              <a:rPr lang="en-US" sz="3600" dirty="0" smtClean="0">
+              <a:rPr lang="en-US" sz="2800" dirty="0">
                 <a:latin typeface="Book Antiqua" panose="02040602050305030304" pitchFamily="18" charset="0"/>
                 <a:ea typeface="CMU Serif Roman" charset="0"/>
                 <a:cs typeface="CMU Serif Roman" charset="0"/>
@@ -3998,7 +3974,7 @@
               <a:t>possesses </a:t>
             </a:r>
             <a:r>
-              <a:rPr lang="en-US" sz="3600" dirty="0">
+              <a:rPr lang="en-US" sz="2800" dirty="0">
                 <a:latin typeface="Book Antiqua" panose="02040602050305030304" pitchFamily="18" charset="0"/>
                 <a:ea typeface="CMU Serif Roman" charset="0"/>
                 <a:cs typeface="CMU Serif Roman" charset="0"/>
@@ -4006,7 +3982,7 @@
               <a:t>a general stress response that coordinates physiological responses to a </a:t>
             </a:r>
             <a:r>
-              <a:rPr lang="en-US" sz="3600" dirty="0" smtClean="0">
+              <a:rPr lang="en-US" sz="2800" dirty="0">
                 <a:latin typeface="Book Antiqua" panose="02040602050305030304" pitchFamily="18" charset="0"/>
                 <a:ea typeface="CMU Serif Roman" charset="0"/>
                 <a:cs typeface="CMU Serif Roman" charset="0"/>
@@ -4014,7 +3990,7 @@
               <a:t>stressful </a:t>
             </a:r>
             <a:r>
-              <a:rPr lang="en-US" sz="3600" dirty="0">
+              <a:rPr lang="en-US" sz="2800" dirty="0">
                 <a:latin typeface="Book Antiqua" panose="02040602050305030304" pitchFamily="18" charset="0"/>
                 <a:ea typeface="CMU Serif Roman" charset="0"/>
                 <a:cs typeface="CMU Serif Roman" charset="0"/>
@@ -4022,7 +3998,7 @@
               <a:t>stimuli </a:t>
             </a:r>
             <a:r>
-              <a:rPr lang="en-US" sz="3600" dirty="0" smtClean="0">
+              <a:rPr lang="en-US" sz="2800" dirty="0">
                 <a:latin typeface="Book Antiqua" panose="02040602050305030304" pitchFamily="18" charset="0"/>
                 <a:ea typeface="CMU Serif Roman" charset="0"/>
                 <a:cs typeface="CMU Serif Roman" charset="0"/>
@@ -4030,54 +4006,221 @@
               <a:t>like cell starvation. A transcription factor involved in this response, RpoS, regulates expression of one quarter of the </a:t>
             </a:r>
             <a:r>
-              <a:rPr lang="en-US" sz="3600" i="1" dirty="0" smtClean="0">
+              <a:rPr lang="en-US" sz="2800" i="1" dirty="0">
                 <a:latin typeface="Book Antiqua" panose="02040602050305030304" pitchFamily="18" charset="0"/>
                 <a:ea typeface="CMU Serif Roman" charset="0"/>
                 <a:cs typeface="CMU Serif Roman" charset="0"/>
               </a:rPr>
-              <a:t>E. coli </a:t>
-            </a:r>
-            <a:r>
-              <a:rPr lang="en-US" sz="3600" dirty="0" smtClean="0">
+              <a:t>E. </a:t>
+            </a:r>
+            <a:r>
+              <a:rPr lang="en-US" sz="2800" i="1" dirty="0">
                 <a:latin typeface="Book Antiqua" panose="02040602050305030304" pitchFamily="18" charset="0"/>
                 <a:ea typeface="CMU Serif Roman" charset="0"/>
                 <a:cs typeface="CMU Serif Roman" charset="0"/>
               </a:rPr>
-              <a:t>genome. It was previously proposed that different genes’ transcriptional sensitivities to RpoS could be a mechanism to control the </a:t>
-            </a:r>
-            <a:r>
-              <a:rPr lang="en-US" sz="3600" i="1" dirty="0" smtClean="0">
+              <a:t>coli </a:t>
+            </a:r>
+            <a:r>
+              <a:rPr lang="en-US" sz="2800" dirty="0">
                 <a:latin typeface="Book Antiqua" panose="02040602050305030304" pitchFamily="18" charset="0"/>
                 <a:ea typeface="CMU Serif Roman" charset="0"/>
                 <a:cs typeface="CMU Serif Roman" charset="0"/>
               </a:rPr>
-              <a:t>timing</a:t>
-            </a:r>
-            <a:r>
-              <a:rPr lang="en-US" sz="3600" dirty="0" smtClean="0">
+              <a:t>genome. </a:t>
+            </a:r>
+            <a:endParaRPr lang="en-US" sz="2800" dirty="0" smtClean="0">
+              <a:latin typeface="Book Antiqua" panose="02040602050305030304" pitchFamily="18" charset="0"/>
+              <a:ea typeface="CMU Serif Roman" charset="0"/>
+              <a:cs typeface="CMU Serif Roman" charset="0"/>
+            </a:endParaRPr>
+          </a:p>
+          <a:p>
+            <a:r>
+              <a:rPr lang="en-US" sz="2800" dirty="0" smtClean="0">
                 <a:latin typeface="Book Antiqua" panose="02040602050305030304" pitchFamily="18" charset="0"/>
                 <a:ea typeface="CMU Serif Roman" charset="0"/>
                 <a:cs typeface="CMU Serif Roman" charset="0"/>
               </a:rPr>
-              <a:t> of gene expression in response to stress </a:t>
-            </a:r>
-            <a:r>
-              <a:rPr lang="en-US" sz="3600" i="1" dirty="0" smtClean="0">
+              <a:t>Fong and colleagues previously </a:t>
+            </a:r>
+            <a:r>
+              <a:rPr lang="en-US" sz="2800" dirty="0">
                 <a:latin typeface="Book Antiqua" panose="02040602050305030304" pitchFamily="18" charset="0"/>
                 <a:ea typeface="CMU Serif Roman" charset="0"/>
                 <a:cs typeface="CMU Serif Roman" charset="0"/>
               </a:rPr>
-              <a:t>in vivo.</a:t>
-            </a:r>
-            <a:r>
-              <a:rPr lang="en-US" sz="3600" dirty="0" smtClean="0">
+              <a:t>proposed that different genes’ transcriptional sensitivities to RpoS could be a mechanism to control the </a:t>
+            </a:r>
+            <a:r>
+              <a:rPr lang="en-US" sz="2800" i="1" dirty="0">
                 <a:latin typeface="Book Antiqua" panose="02040602050305030304" pitchFamily="18" charset="0"/>
                 <a:ea typeface="CMU Serif Roman" charset="0"/>
                 <a:cs typeface="CMU Serif Roman" charset="0"/>
               </a:rPr>
+              <a:t>timing</a:t>
+            </a:r>
+            <a:r>
+              <a:rPr lang="en-US" sz="2800" dirty="0">
+                <a:latin typeface="Book Antiqua" panose="02040602050305030304" pitchFamily="18" charset="0"/>
+                <a:ea typeface="CMU Serif Roman" charset="0"/>
+                <a:cs typeface="CMU Serif Roman" charset="0"/>
+              </a:rPr>
+              <a:t> of gene expression in response to stress </a:t>
+            </a:r>
+            <a:r>
+              <a:rPr lang="en-US" sz="2800" i="1" dirty="0">
+                <a:latin typeface="Book Antiqua" panose="02040602050305030304" pitchFamily="18" charset="0"/>
+                <a:ea typeface="CMU Serif Roman" charset="0"/>
+                <a:cs typeface="CMU Serif Roman" charset="0"/>
+              </a:rPr>
+              <a:t>in </a:t>
+            </a:r>
+            <a:r>
+              <a:rPr lang="en-US" sz="2800" i="1" dirty="0" smtClean="0">
+                <a:latin typeface="Book Antiqua" panose="02040602050305030304" pitchFamily="18" charset="0"/>
+                <a:ea typeface="CMU Serif Roman" charset="0"/>
+                <a:cs typeface="CMU Serif Roman" charset="0"/>
+              </a:rPr>
+              <a:t>vivo </a:t>
+            </a:r>
+            <a:r>
+              <a:rPr lang="en-US" sz="2800" dirty="0" smtClean="0">
+                <a:latin typeface="Book Antiqua" panose="02040602050305030304" pitchFamily="18" charset="0"/>
+                <a:ea typeface="CMU Serif Roman" charset="0"/>
+                <a:cs typeface="CMU Serif Roman" charset="0"/>
+              </a:rPr>
+              <a:t>(Fong </a:t>
+            </a:r>
+            <a:r>
+              <a:rPr lang="en-US" sz="2800" i="1" dirty="0" smtClean="0">
+                <a:latin typeface="Book Antiqua" panose="02040602050305030304" pitchFamily="18" charset="0"/>
+                <a:ea typeface="CMU Serif Roman" charset="0"/>
+                <a:cs typeface="CMU Serif Roman" charset="0"/>
+              </a:rPr>
+              <a:t>et al. </a:t>
+            </a:r>
+            <a:r>
+              <a:rPr lang="en-US" sz="2800" dirty="0" smtClean="0">
+                <a:latin typeface="Book Antiqua" panose="02040602050305030304" pitchFamily="18" charset="0"/>
+                <a:ea typeface="CMU Serif Roman" charset="0"/>
+                <a:cs typeface="CMU Serif Roman" charset="0"/>
+              </a:rPr>
+              <a:t>2017)</a:t>
+            </a:r>
+            <a:r>
+              <a:rPr lang="en-US" sz="2800" i="1" dirty="0" smtClean="0">
+                <a:latin typeface="Book Antiqua" panose="02040602050305030304" pitchFamily="18" charset="0"/>
+                <a:ea typeface="CMU Serif Roman" charset="0"/>
+                <a:cs typeface="CMU Serif Roman" charset="0"/>
+              </a:rPr>
+              <a:t>.</a:t>
+            </a:r>
+            <a:r>
+              <a:rPr lang="en-US" sz="2800" dirty="0" smtClean="0">
+                <a:latin typeface="Book Antiqua" panose="02040602050305030304" pitchFamily="18" charset="0"/>
+                <a:ea typeface="CMU Serif Roman" charset="0"/>
+                <a:cs typeface="CMU Serif Roman" charset="0"/>
+              </a:rPr>
+              <a:t> RpoS sensitivities were previously classified in three groups shown in </a:t>
+            </a:r>
+            <a:r>
+              <a:rPr lang="en-US" sz="2800" i="1" dirty="0" smtClean="0">
+                <a:latin typeface="Book Antiqua" panose="02040602050305030304" pitchFamily="18" charset="0"/>
+                <a:ea typeface="CMU Serif Roman" charset="0"/>
+                <a:cs typeface="CMU Serif Roman" charset="0"/>
+              </a:rPr>
+              <a:t>Figure 1</a:t>
+            </a:r>
+            <a:r>
+              <a:rPr lang="en-US" sz="2800" dirty="0" smtClean="0">
+                <a:latin typeface="Book Antiqua" panose="02040602050305030304" pitchFamily="18" charset="0"/>
+                <a:ea typeface="CMU Serif Roman" charset="0"/>
+                <a:cs typeface="CMU Serif Roman" charset="0"/>
+              </a:rPr>
+              <a:t>: </a:t>
+            </a:r>
+            <a:r>
+              <a:rPr lang="en-US" sz="2800" i="1" dirty="0" smtClean="0">
+                <a:latin typeface="Book Antiqua" panose="02040602050305030304" pitchFamily="18" charset="0"/>
+                <a:ea typeface="CMU Serif Roman" charset="0"/>
+                <a:cs typeface="CMU Serif Roman" charset="0"/>
+              </a:rPr>
+              <a:t>linear </a:t>
+            </a:r>
+            <a:r>
+              <a:rPr lang="en-US" sz="2800" dirty="0">
+                <a:latin typeface="Book Antiqua" panose="02040602050305030304" pitchFamily="18" charset="0"/>
+                <a:ea typeface="CMU Serif Roman" charset="0"/>
+                <a:cs typeface="CMU Serif Roman" charset="0"/>
+              </a:rPr>
+              <a:t>genes are expressed linearly with RpoS </a:t>
+            </a:r>
+            <a:r>
+              <a:rPr lang="en-US" sz="2800" dirty="0" smtClean="0">
+                <a:latin typeface="Book Antiqua" panose="02040602050305030304" pitchFamily="18" charset="0"/>
+                <a:ea typeface="CMU Serif Roman" charset="0"/>
+                <a:cs typeface="CMU Serif Roman" charset="0"/>
+              </a:rPr>
+              <a:t>concentration, </a:t>
+            </a:r>
+            <a:r>
+              <a:rPr lang="en-US" sz="2800" i="1" dirty="0" smtClean="0">
+                <a:latin typeface="Book Antiqua" panose="02040602050305030304" pitchFamily="18" charset="0"/>
+                <a:ea typeface="CMU Serif Roman" charset="0"/>
+                <a:cs typeface="CMU Serif Roman" charset="0"/>
+              </a:rPr>
+              <a:t>sensitive</a:t>
+            </a:r>
+            <a:r>
+              <a:rPr lang="en-US" sz="2800" dirty="0" smtClean="0">
+                <a:latin typeface="Book Antiqua" panose="02040602050305030304" pitchFamily="18" charset="0"/>
+                <a:ea typeface="CMU Serif Roman" charset="0"/>
+                <a:cs typeface="CMU Serif Roman" charset="0"/>
+              </a:rPr>
               <a:t> </a:t>
             </a:r>
-            <a:endParaRPr lang="en-US" sz="3600" dirty="0">
+            <a:r>
+              <a:rPr lang="en-US" sz="2800" dirty="0">
+                <a:latin typeface="Book Antiqua" panose="02040602050305030304" pitchFamily="18" charset="0"/>
+                <a:ea typeface="CMU Serif Roman" charset="0"/>
+                <a:cs typeface="CMU Serif Roman" charset="0"/>
+              </a:rPr>
+              <a:t>genes are transcribed more than anticipated under the linear hypothesis at low RpoS levels, </a:t>
+            </a:r>
+            <a:r>
+              <a:rPr lang="en-US" sz="2800" dirty="0" smtClean="0">
+                <a:latin typeface="Book Antiqua" panose="02040602050305030304" pitchFamily="18" charset="0"/>
+                <a:ea typeface="CMU Serif Roman" charset="0"/>
+                <a:cs typeface="CMU Serif Roman" charset="0"/>
+              </a:rPr>
+              <a:t>and </a:t>
+            </a:r>
+            <a:r>
+              <a:rPr lang="en-US" sz="2800" i="1" dirty="0">
+                <a:latin typeface="Book Antiqua" panose="02040602050305030304" pitchFamily="18" charset="0"/>
+                <a:ea typeface="CMU Serif Roman" charset="0"/>
+                <a:cs typeface="CMU Serif Roman" charset="0"/>
+              </a:rPr>
+              <a:t>insensitive </a:t>
+            </a:r>
+            <a:r>
+              <a:rPr lang="en-US" sz="2800" dirty="0">
+                <a:latin typeface="Book Antiqua" panose="02040602050305030304" pitchFamily="18" charset="0"/>
+                <a:ea typeface="CMU Serif Roman" charset="0"/>
+                <a:cs typeface="CMU Serif Roman" charset="0"/>
+              </a:rPr>
+              <a:t>genes are transcribed less than anticipated under the linear hypothesis at low RpoS levels</a:t>
+            </a:r>
+            <a:r>
+              <a:rPr lang="en-US" sz="2800" dirty="0" smtClean="0">
+                <a:latin typeface="Book Antiqua" panose="02040602050305030304" pitchFamily="18" charset="0"/>
+                <a:ea typeface="CMU Serif Roman" charset="0"/>
+                <a:cs typeface="CMU Serif Roman" charset="0"/>
+              </a:rPr>
+              <a:t>.</a:t>
+            </a:r>
+            <a:endParaRPr lang="en-US" sz="2800" dirty="0">
               <a:latin typeface="Book Antiqua" panose="02040602050305030304" pitchFamily="18" charset="0"/>
               <a:ea typeface="CMU Serif Roman" charset="0"/>
               <a:cs typeface="CMU Serif Roman" charset="0"/>
@@ -4093,8 +4236,8 @@
         </p:nvCxnSpPr>
         <p:spPr>
           <a:xfrm>
-            <a:off x="1342979" y="31976054"/>
-            <a:ext cx="40994525" cy="0"/>
+            <a:off x="871860" y="42388326"/>
+            <a:ext cx="27329683" cy="0"/>
           </a:xfrm>
           <a:prstGeom prst="line">
             <a:avLst/>
@@ -4128,8 +4271,8 @@
         </p:nvSpPr>
         <p:spPr>
           <a:xfrm>
-            <a:off x="22346568" y="16112434"/>
-            <a:ext cx="2579552" cy="1015663"/>
+            <a:off x="14897712" y="19329182"/>
+            <a:ext cx="1782860" cy="707886"/>
           </a:xfrm>
           <a:prstGeom prst="rect">
             <a:avLst/>
@@ -4142,14 +4285,14 @@
           <a:lstStyle/>
           <a:p>
             <a:r>
-              <a:rPr lang="en-US" sz="6000" b="1" dirty="0" smtClean="0">
+              <a:rPr lang="en-US" sz="4000" b="1" dirty="0">
                 <a:latin typeface="Nimbus Sans L" charset="0"/>
                 <a:ea typeface="Nimbus Sans L" charset="0"/>
                 <a:cs typeface="Nimbus Sans L" charset="0"/>
               </a:rPr>
               <a:t>Results</a:t>
             </a:r>
-            <a:endParaRPr lang="en-US" sz="6000" b="1" dirty="0">
+            <a:endParaRPr lang="en-US" sz="4000" b="1" dirty="0">
               <a:latin typeface="Nimbus Sans L" charset="0"/>
               <a:ea typeface="Nimbus Sans L" charset="0"/>
               <a:cs typeface="Nimbus Sans L" charset="0"/>
@@ -4165,8 +4308,8 @@
         </p:nvSpPr>
         <p:spPr>
           <a:xfrm>
-            <a:off x="26744142" y="26858532"/>
-            <a:ext cx="12532804" cy="1754326"/>
+            <a:off x="14981125" y="36962535"/>
+            <a:ext cx="8355203" cy="1200329"/>
           </a:xfrm>
           <a:prstGeom prst="rect">
             <a:avLst/>
@@ -4179,7 +4322,7 @@
           <a:lstStyle/>
           <a:p>
             <a:r>
-              <a:rPr lang="en-US" sz="3600" dirty="0" err="1">
+              <a:rPr lang="en-US" sz="2400" dirty="0" err="1">
                 <a:latin typeface="Book Antiqua" panose="02040602050305030304" pitchFamily="18" charset="0"/>
                 <a:ea typeface="CMU Serif Roman" charset="0"/>
                 <a:cs typeface="CMU Serif Roman" charset="0"/>
@@ -4187,7 +4330,7 @@
               <a:t>Purrington</a:t>
             </a:r>
             <a:r>
-              <a:rPr lang="en-US" sz="3600" dirty="0">
+              <a:rPr lang="en-US" sz="2400" dirty="0">
                 <a:latin typeface="Book Antiqua" panose="02040602050305030304" pitchFamily="18" charset="0"/>
                 <a:ea typeface="CMU Serif Roman" charset="0"/>
                 <a:cs typeface="CMU Serif Roman" charset="0"/>
@@ -4195,7 +4338,7 @@
               <a:t>, Colin. 2011a. Designing conference posters.          Online; viewed 2011 September 14. URL </a:t>
             </a:r>
             <a:r>
-              <a:rPr lang="en-US" sz="3600" dirty="0">
+              <a:rPr lang="en-US" sz="2400" dirty="0">
                 <a:latin typeface="Book Antiqua" panose="02040602050305030304" pitchFamily="18" charset="0"/>
                 <a:ea typeface="CMU Typewriter Text" charset="0"/>
                 <a:cs typeface="CMU Typewriter Text" charset="0"/>
@@ -4205,7 +4348,7 @@
           </a:p>
           <a:p>
             <a:r>
-              <a:rPr lang="en-US" sz="3600" dirty="0" err="1">
+              <a:rPr lang="en-US" sz="2400" dirty="0" err="1">
                 <a:latin typeface="Book Antiqua" panose="02040602050305030304" pitchFamily="18" charset="0"/>
                 <a:ea typeface="CMU Typewriter Text" charset="0"/>
                 <a:cs typeface="CMU Typewriter Text" charset="0"/>
@@ -4213,7 +4356,7 @@
               <a:t>colinpurrington.com</a:t>
             </a:r>
             <a:r>
-              <a:rPr lang="en-US" sz="3600" dirty="0">
+              <a:rPr lang="en-US" sz="2400" dirty="0">
                 <a:latin typeface="Book Antiqua" panose="02040602050305030304" pitchFamily="18" charset="0"/>
                 <a:ea typeface="CMU Typewriter Text" charset="0"/>
                 <a:cs typeface="CMU Typewriter Text" charset="0"/>
@@ -4221,15 +4364,14 @@
               <a:t>/tips/academic/</a:t>
             </a:r>
             <a:r>
-              <a:rPr lang="en-US" sz="3600" dirty="0" err="1">
+              <a:rPr lang="en-US" sz="2400" dirty="0" err="1">
                 <a:latin typeface="Book Antiqua" panose="02040602050305030304" pitchFamily="18" charset="0"/>
                 <a:ea typeface="CMU Typewriter Text" charset="0"/>
                 <a:cs typeface="CMU Typewriter Text" charset="0"/>
               </a:rPr>
               <a:t>posterdesign</a:t>
             </a:r>
-            <a:endParaRPr lang="en-US" sz="3600" b="0" i="0" dirty="0">
-              <a:effectLst/>
+            <a:endParaRPr lang="en-US" sz="2400" dirty="0">
               <a:latin typeface="Book Antiqua" panose="02040602050305030304" pitchFamily="18" charset="0"/>
               <a:ea typeface="CMU Typewriter Text" charset="0"/>
               <a:cs typeface="CMU Typewriter Text" charset="0"/>
@@ -4245,8 +4387,8 @@
         </p:nvSpPr>
         <p:spPr>
           <a:xfrm>
-            <a:off x="1416432" y="26669981"/>
-            <a:ext cx="4334841" cy="1015663"/>
+            <a:off x="944288" y="28752787"/>
+            <a:ext cx="2568717" cy="707886"/>
           </a:xfrm>
           <a:prstGeom prst="rect">
             <a:avLst/>
@@ -4259,7 +4401,7 @@
           <a:lstStyle/>
           <a:p>
             <a:r>
-              <a:rPr lang="en-US" sz="6000" b="1" dirty="0">
+              <a:rPr lang="en-US" sz="4000" b="1" dirty="0">
                 <a:latin typeface="Nimbus Sans L" charset="0"/>
                 <a:ea typeface="Nimbus Sans L" charset="0"/>
                 <a:cs typeface="Nimbus Sans L" charset="0"/>
@@ -4277,8 +4419,8 @@
         </p:nvSpPr>
         <p:spPr>
           <a:xfrm>
-            <a:off x="26695408" y="28910784"/>
-            <a:ext cx="12449908" cy="1754326"/>
+            <a:off x="14948636" y="38330703"/>
+            <a:ext cx="8299939" cy="1200329"/>
           </a:xfrm>
           <a:prstGeom prst="rect">
             <a:avLst/>
@@ -4291,7 +4433,7 @@
           <a:lstStyle/>
           <a:p>
             <a:r>
-              <a:rPr lang="en-US" sz="3600" dirty="0">
+              <a:rPr lang="en-US" sz="2400" dirty="0">
                 <a:latin typeface="Book Antiqua" panose="02040602050305030304" pitchFamily="18" charset="0"/>
                 <a:ea typeface="CMU Serif Roman" charset="0"/>
                 <a:cs typeface="CMU Serif Roman" charset="0"/>
@@ -4301,7 +4443,7 @@
           </a:p>
           <a:p>
             <a:r>
-              <a:rPr lang="en-US" sz="3600" dirty="0">
+              <a:rPr lang="en-US" sz="2400" dirty="0">
                 <a:latin typeface="Book Antiqua" panose="02040602050305030304" pitchFamily="18" charset="0"/>
                 <a:ea typeface="CMU Serif Roman" charset="0"/>
                 <a:cs typeface="CMU Serif Roman" charset="0"/>
@@ -4309,7 +4451,7 @@
               <a:t>September 14. URL </a:t>
             </a:r>
             <a:r>
-              <a:rPr lang="en-US" sz="3600" dirty="0">
+              <a:rPr lang="en-US" sz="2400" dirty="0">
                 <a:latin typeface="Book Antiqua" panose="02040602050305030304" pitchFamily="18" charset="0"/>
                 <a:ea typeface="CMU Typewriter Text" charset="0"/>
                 <a:cs typeface="CMU Typewriter Text" charset="0"/>
@@ -4317,7 +4459,7 @@
               <a:t>http://</a:t>
             </a:r>
             <a:r>
-              <a:rPr lang="en-US" sz="3600" dirty="0" err="1">
+              <a:rPr lang="en-US" sz="2400" dirty="0" err="1">
                 <a:latin typeface="Book Antiqua" panose="02040602050305030304" pitchFamily="18" charset="0"/>
                 <a:ea typeface="CMU Typewriter Text" charset="0"/>
                 <a:cs typeface="CMU Typewriter Text" charset="0"/>
@@ -4325,7 +4467,7 @@
               <a:t>colinpurrington.com</a:t>
             </a:r>
             <a:r>
-              <a:rPr lang="en-US" sz="3600" dirty="0">
+              <a:rPr lang="en-US" sz="2400" dirty="0">
                 <a:latin typeface="Book Antiqua" panose="02040602050305030304" pitchFamily="18" charset="0"/>
                 <a:ea typeface="CMU Typewriter Text" charset="0"/>
                 <a:cs typeface="CMU Typewriter Text" charset="0"/>
@@ -4335,7 +4477,7 @@
           </a:p>
           <a:p>
             <a:r>
-              <a:rPr lang="en-US" sz="3600" dirty="0" err="1">
+              <a:rPr lang="en-US" sz="2400" dirty="0" err="1">
                 <a:latin typeface="Book Antiqua" panose="02040602050305030304" pitchFamily="18" charset="0"/>
                 <a:ea typeface="CMU Typewriter Text" charset="0"/>
                 <a:cs typeface="CMU Typewriter Text" charset="0"/>
@@ -4343,7 +4485,7 @@
               <a:t>wp</a:t>
             </a:r>
             <a:r>
-              <a:rPr lang="en-US" sz="3600" dirty="0">
+              <a:rPr lang="en-US" sz="2400" dirty="0">
                 <a:latin typeface="Book Antiqua" panose="02040602050305030304" pitchFamily="18" charset="0"/>
                 <a:ea typeface="CMU Typewriter Text" charset="0"/>
                 <a:cs typeface="CMU Typewriter Text" charset="0"/>
@@ -4351,7 +4493,7 @@
               <a:t>-content/uploads/2011/09/</a:t>
             </a:r>
             <a:r>
-              <a:rPr lang="en-US" sz="3600" dirty="0" err="1">
+              <a:rPr lang="en-US" sz="2400" dirty="0" err="1">
                 <a:latin typeface="Book Antiqua" panose="02040602050305030304" pitchFamily="18" charset="0"/>
                 <a:ea typeface="CMU Typewriter Text" charset="0"/>
                 <a:cs typeface="CMU Typewriter Text" charset="0"/>
@@ -4359,19 +4501,13 @@
               <a:t>postertemplate.ppt</a:t>
             </a:r>
             <a:r>
-              <a:rPr lang="en-US" sz="3600" dirty="0">
+              <a:rPr lang="en-US" sz="2400" dirty="0">
                 <a:latin typeface="Book Antiqua" panose="02040602050305030304" pitchFamily="18" charset="0"/>
                 <a:ea typeface="CMU Typewriter Text" charset="0"/>
                 <a:cs typeface="CMU Typewriter Text" charset="0"/>
               </a:rPr>
               <a:t>.</a:t>
             </a:r>
-            <a:endParaRPr lang="en-US" sz="3600" b="0" i="0" dirty="0">
-              <a:effectLst/>
-              <a:latin typeface="Book Antiqua" panose="02040602050305030304" pitchFamily="18" charset="0"/>
-              <a:ea typeface="CMU Typewriter Text" charset="0"/>
-              <a:cs typeface="CMU Typewriter Text" charset="0"/>
-            </a:endParaRPr>
           </a:p>
         </p:txBody>
       </p:sp>
@@ -4383,8 +4519,8 @@
         </p:nvSpPr>
         <p:spPr>
           <a:xfrm>
-            <a:off x="22156258" y="30665110"/>
-            <a:ext cx="6981398" cy="1015663"/>
+            <a:off x="14897712" y="40325799"/>
+            <a:ext cx="4204997" cy="707886"/>
           </a:xfrm>
           <a:prstGeom prst="rect">
             <a:avLst/>
@@ -4397,7 +4533,7 @@
           <a:lstStyle/>
           <a:p>
             <a:r>
-              <a:rPr lang="en-US" sz="6000" b="1" dirty="0">
+              <a:rPr lang="en-US" sz="4000" b="1" dirty="0">
                 <a:latin typeface="Nimbus Sans L" charset="0"/>
                 <a:ea typeface="Nimbus Sans L" charset="0"/>
                 <a:cs typeface="Nimbus Sans L" charset="0"/>
@@ -4429,8 +4565,8 @@
         </p:blipFill>
         <p:spPr>
           <a:xfrm>
-            <a:off x="38781297" y="1140204"/>
-            <a:ext cx="4091152" cy="4114800"/>
+            <a:off x="25558304" y="881945"/>
+            <a:ext cx="2727435" cy="2743200"/>
           </a:xfrm>
           <a:prstGeom prst="rect">
             <a:avLst/>
@@ -4445,8 +4581,8 @@
         </p:nvSpPr>
         <p:spPr>
           <a:xfrm>
-            <a:off x="1307790" y="5981979"/>
-            <a:ext cx="13272608" cy="1015663"/>
+            <a:off x="871860" y="14960786"/>
+            <a:ext cx="8848405" cy="707886"/>
           </a:xfrm>
           <a:prstGeom prst="rect">
             <a:avLst/>
@@ -4459,7 +4595,7 @@
           </a:bodyPr>
           <a:lstStyle/>
           <a:p>
-            <a:endParaRPr lang="en-US" sz="6000" b="1" dirty="0">
+            <a:endParaRPr lang="en-US" sz="4000" b="1" dirty="0">
               <a:solidFill>
                 <a:srgbClr val="F1B129"/>
               </a:solidFill>
@@ -4478,8 +4614,8 @@
         </p:nvSpPr>
         <p:spPr>
           <a:xfrm>
-            <a:off x="22152511" y="5943506"/>
-            <a:ext cx="20232382" cy="1092607"/>
+            <a:off x="14791559" y="4149962"/>
+            <a:ext cx="13488255" cy="759310"/>
           </a:xfrm>
           <a:prstGeom prst="rect">
             <a:avLst/>
@@ -4493,7 +4629,7 @@
           <a:lstStyle/>
           <a:p>
             <a:r>
-              <a:rPr lang="en-US" sz="6500" b="1" dirty="0" smtClean="0">
+              <a:rPr lang="en-US" sz="4334" b="1" dirty="0">
                 <a:solidFill>
                   <a:srgbClr val="F1B129"/>
                 </a:solidFill>
@@ -4504,7 +4640,7 @@
               <a:t>Timing of the RpoS regulon in </a:t>
             </a:r>
             <a:r>
-              <a:rPr lang="en-US" sz="6500" b="1" i="1" dirty="0" smtClean="0">
+              <a:rPr lang="en-US" sz="4334" b="1" i="1" dirty="0">
                 <a:solidFill>
                   <a:srgbClr val="F1B129"/>
                 </a:solidFill>
@@ -4514,7 +4650,7 @@
               </a:rPr>
               <a:t>E. coli</a:t>
             </a:r>
-            <a:endParaRPr lang="en-US" sz="6500" b="1" i="1" dirty="0">
+            <a:endParaRPr lang="en-US" sz="4334" b="1" i="1" dirty="0">
               <a:solidFill>
                 <a:srgbClr val="F1B129"/>
               </a:solidFill>
@@ -4533,8 +4669,8 @@
         </p:nvSpPr>
         <p:spPr>
           <a:xfrm>
-            <a:off x="1191050" y="12003658"/>
-            <a:ext cx="5341955" cy="1015663"/>
+            <a:off x="794034" y="18975239"/>
+            <a:ext cx="3561303" cy="707886"/>
           </a:xfrm>
           <a:prstGeom prst="rect">
             <a:avLst/>
@@ -4548,14 +4684,14 @@
           <a:lstStyle/>
           <a:p>
             <a:r>
-              <a:rPr lang="en-US" sz="6000" b="1" smtClean="0">
+              <a:rPr lang="en-US" sz="4000" b="1">
                 <a:latin typeface="Nimbus Sans L" charset="0"/>
                 <a:ea typeface="Nimbus Sans L" charset="0"/>
                 <a:cs typeface="Nimbus Sans L" charset="0"/>
               </a:rPr>
               <a:t>Methods</a:t>
             </a:r>
-            <a:endParaRPr lang="en-US" sz="6000" b="1" dirty="0">
+            <a:endParaRPr lang="en-US" sz="4000" b="1" dirty="0">
               <a:latin typeface="Nimbus Sans L" charset="0"/>
               <a:ea typeface="Nimbus Sans L" charset="0"/>
               <a:cs typeface="Nimbus Sans L" charset="0"/>
@@ -4571,8 +4707,8 @@
         </p:nvSpPr>
         <p:spPr>
           <a:xfrm>
-            <a:off x="22152511" y="12094091"/>
-            <a:ext cx="5500950" cy="1015663"/>
+            <a:off x="14897712" y="15689295"/>
+            <a:ext cx="3667300" cy="707886"/>
           </a:xfrm>
           <a:prstGeom prst="rect">
             <a:avLst/>
@@ -4586,14 +4722,14 @@
           <a:lstStyle/>
           <a:p>
             <a:r>
-              <a:rPr lang="en-US" sz="6000" b="1" dirty="0" smtClean="0">
+              <a:rPr lang="en-US" sz="4000" b="1" dirty="0">
                 <a:latin typeface="Nimbus Sans L" charset="0"/>
                 <a:ea typeface="Nimbus Sans L" charset="0"/>
                 <a:cs typeface="Nimbus Sans L" charset="0"/>
               </a:rPr>
               <a:t>Methods</a:t>
             </a:r>
-            <a:endParaRPr lang="en-US" sz="6000" b="1" dirty="0">
+            <a:endParaRPr lang="en-US" sz="4000" b="1" dirty="0">
               <a:latin typeface="Nimbus Sans L" charset="0"/>
               <a:ea typeface="Nimbus Sans L" charset="0"/>
               <a:cs typeface="Nimbus Sans L" charset="0"/>
@@ -4609,8 +4745,8 @@
         </p:nvSpPr>
         <p:spPr>
           <a:xfrm>
-            <a:off x="22422953" y="21572807"/>
-            <a:ext cx="184731" cy="1015663"/>
+            <a:off x="14948636" y="25354671"/>
+            <a:ext cx="184731" cy="707886"/>
           </a:xfrm>
           <a:prstGeom prst="rect">
             <a:avLst/>
@@ -4622,7 +4758,7 @@
           </a:bodyPr>
           <a:lstStyle/>
           <a:p>
-            <a:endParaRPr lang="en-US" sz="6000" b="1" dirty="0">
+            <a:endParaRPr lang="en-US" sz="4000" b="1" dirty="0">
               <a:latin typeface="Nimbus Sans L" charset="0"/>
               <a:ea typeface="Nimbus Sans L" charset="0"/>
               <a:cs typeface="Nimbus Sans L" charset="0"/>
@@ -4638,8 +4774,8 @@
         </p:nvSpPr>
         <p:spPr>
           <a:xfrm>
-            <a:off x="22422953" y="26303556"/>
-            <a:ext cx="4334841" cy="1015663"/>
+            <a:off x="14948636" y="35972848"/>
+            <a:ext cx="2568717" cy="707886"/>
           </a:xfrm>
           <a:prstGeom prst="rect">
             <a:avLst/>
@@ -4652,7 +4788,7 @@
           <a:lstStyle/>
           <a:p>
             <a:r>
-              <a:rPr lang="en-US" sz="6000" b="1" dirty="0">
+              <a:rPr lang="en-US" sz="4000" b="1" dirty="0">
                 <a:latin typeface="Nimbus Sans L" charset="0"/>
                 <a:ea typeface="Nimbus Sans L" charset="0"/>
                 <a:cs typeface="Nimbus Sans L" charset="0"/>
@@ -4670,8 +4806,8 @@
         </p:nvSpPr>
         <p:spPr>
           <a:xfrm>
-            <a:off x="1191050" y="5981979"/>
-            <a:ext cx="20405499" cy="1092607"/>
+            <a:off x="1051146" y="4135114"/>
+            <a:ext cx="13603666" cy="759310"/>
           </a:xfrm>
           <a:prstGeom prst="rect">
             <a:avLst/>
@@ -4685,7 +4821,7 @@
           <a:lstStyle/>
           <a:p>
             <a:r>
-              <a:rPr lang="en-US" sz="6500" b="1" dirty="0" smtClean="0">
+              <a:rPr lang="en-US" sz="4334" b="1" dirty="0">
                 <a:solidFill>
                   <a:srgbClr val="F1B129"/>
                 </a:solidFill>
@@ -4696,7 +4832,7 @@
               <a:t>Bromodomain proteins and Development in PF </a:t>
             </a:r>
             <a:r>
-              <a:rPr lang="en-US" sz="6500" b="1" i="1" dirty="0" smtClean="0">
+              <a:rPr lang="en-US" sz="4334" b="1" i="1" dirty="0">
                 <a:solidFill>
                   <a:srgbClr val="F1B129"/>
                 </a:solidFill>
@@ -4706,7 +4842,7 @@
               </a:rPr>
               <a:t>T. brucei</a:t>
             </a:r>
-            <a:endParaRPr lang="en-US" sz="6500" b="1" dirty="0">
+            <a:endParaRPr lang="en-US" sz="4334" b="1" dirty="0">
               <a:solidFill>
                 <a:srgbClr val="F1B129"/>
               </a:solidFill>
@@ -4725,8 +4861,8 @@
         </p:nvSpPr>
         <p:spPr>
           <a:xfrm>
-            <a:off x="1242775" y="30665109"/>
-            <a:ext cx="6555000" cy="1015663"/>
+            <a:off x="828517" y="31416206"/>
+            <a:ext cx="4432624" cy="707886"/>
           </a:xfrm>
           <a:prstGeom prst="rect">
             <a:avLst/>
@@ -4739,14 +4875,14 @@
           <a:lstStyle/>
           <a:p>
             <a:r>
-              <a:rPr lang="en-US" sz="6000" b="1" dirty="0" smtClean="0">
+              <a:rPr lang="en-US" sz="4000" b="1" dirty="0">
                 <a:latin typeface="Nimbus Sans L" charset="0"/>
                 <a:ea typeface="Nimbus Sans L" charset="0"/>
                 <a:cs typeface="Nimbus Sans L" charset="0"/>
               </a:rPr>
               <a:t>Acknowledgements</a:t>
             </a:r>
-            <a:endParaRPr lang="en-US" sz="6000" b="1" dirty="0">
+            <a:endParaRPr lang="en-US" sz="4000" b="1" dirty="0">
               <a:latin typeface="Nimbus Sans L" charset="0"/>
               <a:ea typeface="Nimbus Sans L" charset="0"/>
               <a:cs typeface="Nimbus Sans L" charset="0"/>
@@ -4762,8 +4898,8 @@
         </p:nvSpPr>
         <p:spPr>
           <a:xfrm>
-            <a:off x="1191050" y="16523807"/>
-            <a:ext cx="2579552" cy="1015663"/>
+            <a:off x="794034" y="21988671"/>
+            <a:ext cx="1782860" cy="707886"/>
           </a:xfrm>
           <a:prstGeom prst="rect">
             <a:avLst/>
@@ -4776,14 +4912,14 @@
           <a:lstStyle/>
           <a:p>
             <a:r>
-              <a:rPr lang="en-US" sz="6000" b="1" dirty="0" smtClean="0">
+              <a:rPr lang="en-US" sz="4000" b="1" dirty="0">
                 <a:latin typeface="Nimbus Sans L" charset="0"/>
                 <a:ea typeface="Nimbus Sans L" charset="0"/>
                 <a:cs typeface="Nimbus Sans L" charset="0"/>
               </a:rPr>
               <a:t>Results</a:t>
             </a:r>
-            <a:endParaRPr lang="en-US" sz="6000" b="1" dirty="0">
+            <a:endParaRPr lang="en-US" sz="4000" b="1" dirty="0">
               <a:latin typeface="Nimbus Sans L" charset="0"/>
               <a:ea typeface="Nimbus Sans L" charset="0"/>
               <a:cs typeface="Nimbus Sans L" charset="0"/>
@@ -4799,8 +4935,8 @@
         </p:nvSpPr>
         <p:spPr>
           <a:xfrm>
-            <a:off x="22352844" y="23245752"/>
-            <a:ext cx="4161717" cy="1015663"/>
+            <a:off x="14901896" y="26469968"/>
+            <a:ext cx="2837636" cy="707886"/>
           </a:xfrm>
           <a:prstGeom prst="rect">
             <a:avLst/>
@@ -4813,14 +4949,14 @@
           <a:lstStyle/>
           <a:p>
             <a:r>
-              <a:rPr lang="en-US" sz="6000" b="1" dirty="0" smtClean="0">
+              <a:rPr lang="en-US" sz="4000" b="1" dirty="0">
                 <a:latin typeface="Nimbus Sans L" charset="0"/>
                 <a:ea typeface="Nimbus Sans L" charset="0"/>
                 <a:cs typeface="Nimbus Sans L" charset="0"/>
               </a:rPr>
               <a:t>Conclusions</a:t>
             </a:r>
-            <a:endParaRPr lang="en-US" sz="6000" b="1" dirty="0">
+            <a:endParaRPr lang="en-US" sz="4000" b="1" dirty="0">
               <a:latin typeface="Nimbus Sans L" charset="0"/>
               <a:ea typeface="Nimbus Sans L" charset="0"/>
               <a:cs typeface="Nimbus Sans L" charset="0"/>
@@ -4836,8 +4972,8 @@
         </p:nvSpPr>
         <p:spPr>
           <a:xfrm>
-            <a:off x="1472684" y="23245751"/>
-            <a:ext cx="4161717" cy="1015663"/>
+            <a:off x="981790" y="26469967"/>
+            <a:ext cx="2837636" cy="707886"/>
           </a:xfrm>
           <a:prstGeom prst="rect">
             <a:avLst/>
@@ -4850,14 +4986,14 @@
           <a:lstStyle/>
           <a:p>
             <a:r>
-              <a:rPr lang="en-US" sz="6000" b="1" smtClean="0">
+              <a:rPr lang="en-US" sz="4000" b="1">
                 <a:latin typeface="Nimbus Sans L" charset="0"/>
                 <a:ea typeface="Nimbus Sans L" charset="0"/>
                 <a:cs typeface="Nimbus Sans L" charset="0"/>
               </a:rPr>
               <a:t>Conclusions</a:t>
             </a:r>
-            <a:endParaRPr lang="en-US" sz="6000" b="1" dirty="0">
+            <a:endParaRPr lang="en-US" sz="4000" b="1" dirty="0">
               <a:latin typeface="Nimbus Sans L" charset="0"/>
               <a:ea typeface="Nimbus Sans L" charset="0"/>
               <a:cs typeface="Nimbus Sans L" charset="0"/>
@@ -4873,8 +5009,8 @@
         </p:nvSpPr>
         <p:spPr>
           <a:xfrm>
-            <a:off x="22230842" y="6984016"/>
-            <a:ext cx="5500950" cy="1015663"/>
+            <a:off x="14846922" y="4909272"/>
+            <a:ext cx="3667300" cy="707886"/>
           </a:xfrm>
           <a:prstGeom prst="rect">
             <a:avLst/>
@@ -4888,13 +5024,383 @@
           <a:lstStyle/>
           <a:p>
             <a:r>
-              <a:rPr lang="en-US" sz="6000" b="1" dirty="0">
+              <a:rPr lang="en-US" sz="4000" b="1" dirty="0">
                 <a:latin typeface="Nimbus Sans L" charset="0"/>
                 <a:ea typeface="Nimbus Sans L" charset="0"/>
                 <a:cs typeface="Nimbus Sans L" charset="0"/>
               </a:rPr>
               <a:t>Introduction</a:t>
             </a:r>
+          </a:p>
+        </p:txBody>
+      </p:sp>
+      <p:sp>
+        <p:nvSpPr>
+          <p:cNvPr id="5" name="Rectangle 4"/>
+          <p:cNvSpPr/>
+          <p:nvPr/>
+        </p:nvSpPr>
+        <p:spPr>
+          <a:xfrm>
+            <a:off x="0" y="17070"/>
+            <a:ext cx="794034" cy="43874130"/>
+          </a:xfrm>
+          <a:prstGeom prst="rect">
+            <a:avLst/>
+          </a:prstGeom>
+        </p:spPr>
+        <p:style>
+          <a:lnRef idx="2">
+            <a:schemeClr val="accent1">
+              <a:shade val="50000"/>
+            </a:schemeClr>
+          </a:lnRef>
+          <a:fillRef idx="1">
+            <a:schemeClr val="accent1"/>
+          </a:fillRef>
+          <a:effectRef idx="0">
+            <a:schemeClr val="accent1"/>
+          </a:effectRef>
+          <a:fontRef idx="minor">
+            <a:schemeClr val="lt1"/>
+          </a:fontRef>
+        </p:style>
+        <p:txBody>
+          <a:bodyPr rtlCol="0" anchor="ctr"/>
+          <a:lstStyle/>
+          <a:p>
+            <a:pPr algn="ctr"/>
+            <a:endParaRPr lang="en-US"/>
+          </a:p>
+        </p:txBody>
+      </p:sp>
+      <p:sp>
+        <p:nvSpPr>
+          <p:cNvPr id="33" name="Rectangle 32"/>
+          <p:cNvSpPr/>
+          <p:nvPr/>
+        </p:nvSpPr>
+        <p:spPr>
+          <a:xfrm>
+            <a:off x="28320080" y="17070"/>
+            <a:ext cx="989093" cy="43874130"/>
+          </a:xfrm>
+          <a:prstGeom prst="rect">
+            <a:avLst/>
+          </a:prstGeom>
+        </p:spPr>
+        <p:style>
+          <a:lnRef idx="2">
+            <a:schemeClr val="accent1">
+              <a:shade val="50000"/>
+            </a:schemeClr>
+          </a:lnRef>
+          <a:fillRef idx="1">
+            <a:schemeClr val="accent1"/>
+          </a:fillRef>
+          <a:effectRef idx="0">
+            <a:schemeClr val="accent1"/>
+          </a:effectRef>
+          <a:fontRef idx="minor">
+            <a:schemeClr val="lt1"/>
+          </a:fontRef>
+        </p:style>
+        <p:txBody>
+          <a:bodyPr rtlCol="0" anchor="ctr"/>
+          <a:lstStyle/>
+          <a:p>
+            <a:pPr algn="ctr"/>
+            <a:endParaRPr lang="en-US"/>
+          </a:p>
+        </p:txBody>
+      </p:sp>
+      <p:sp>
+        <p:nvSpPr>
+          <p:cNvPr id="35" name="Rectangle 34"/>
+          <p:cNvSpPr/>
+          <p:nvPr/>
+        </p:nvSpPr>
+        <p:spPr>
+          <a:xfrm>
+            <a:off x="0" y="-145"/>
+            <a:ext cx="29260800" cy="914400"/>
+          </a:xfrm>
+          <a:prstGeom prst="rect">
+            <a:avLst/>
+          </a:prstGeom>
+        </p:spPr>
+        <p:style>
+          <a:lnRef idx="2">
+            <a:schemeClr val="accent1">
+              <a:shade val="50000"/>
+            </a:schemeClr>
+          </a:lnRef>
+          <a:fillRef idx="1">
+            <a:schemeClr val="accent1"/>
+          </a:fillRef>
+          <a:effectRef idx="0">
+            <a:schemeClr val="accent1"/>
+          </a:effectRef>
+          <a:fontRef idx="minor">
+            <a:schemeClr val="lt1"/>
+          </a:fontRef>
+        </p:style>
+        <p:txBody>
+          <a:bodyPr rtlCol="0" anchor="ctr"/>
+          <a:lstStyle/>
+          <a:p>
+            <a:pPr algn="ctr"/>
+            <a:endParaRPr lang="en-US"/>
+          </a:p>
+        </p:txBody>
+      </p:sp>
+      <p:grpSp>
+        <p:nvGrpSpPr>
+          <p:cNvPr id="18" name="Group 17"/>
+          <p:cNvGrpSpPr/>
+          <p:nvPr/>
+        </p:nvGrpSpPr>
+        <p:grpSpPr>
+          <a:xfrm>
+            <a:off x="16387440" y="11047224"/>
+            <a:ext cx="9440764" cy="3349675"/>
+            <a:chOff x="16269418" y="9426086"/>
+            <a:chExt cx="9440764" cy="3349675"/>
+          </a:xfrm>
+        </p:grpSpPr>
+        <p:grpSp>
+          <p:nvGrpSpPr>
+            <p:cNvPr id="12" name="Group 11"/>
+            <p:cNvGrpSpPr/>
+            <p:nvPr/>
+          </p:nvGrpSpPr>
+          <p:grpSpPr>
+            <a:xfrm>
+              <a:off x="16269418" y="9426086"/>
+              <a:ext cx="9440764" cy="2691156"/>
+              <a:chOff x="16155715" y="7926602"/>
+              <a:chExt cx="9440764" cy="2691156"/>
+            </a:xfrm>
+          </p:grpSpPr>
+          <p:pic>
+            <p:nvPicPr>
+              <p:cNvPr id="2" name="Picture 1"/>
+              <p:cNvPicPr>
+                <a:picLocks noChangeAspect="1"/>
+              </p:cNvPicPr>
+              <p:nvPr/>
+            </p:nvPicPr>
+            <p:blipFill rotWithShape="1">
+              <a:blip r:embed="rId5">
+                <a:extLst>
+                  <a:ext uri="{28A0092B-C50C-407E-A947-70E740481C1C}">
+                    <a14:useLocalDpi xmlns:a14="http://schemas.microsoft.com/office/drawing/2010/main" val="0"/>
+                  </a:ext>
+                </a:extLst>
+              </a:blip>
+              <a:srcRect l="10897" b="17983"/>
+              <a:stretch/>
+            </p:blipFill>
+            <p:spPr>
+              <a:xfrm>
+                <a:off x="17015209" y="7926602"/>
+                <a:ext cx="8581270" cy="2691156"/>
+              </a:xfrm>
+              <a:prstGeom prst="rect">
+                <a:avLst/>
+              </a:prstGeom>
+            </p:spPr>
+          </p:pic>
+          <p:sp>
+            <p:nvSpPr>
+              <p:cNvPr id="8" name="TextBox 7"/>
+              <p:cNvSpPr txBox="1"/>
+              <p:nvPr/>
+            </p:nvSpPr>
+            <p:spPr>
+              <a:xfrm rot="16200000">
+                <a:off x="15533441" y="8699707"/>
+                <a:ext cx="2137100" cy="892552"/>
+              </a:xfrm>
+              <a:prstGeom prst="rect">
+                <a:avLst/>
+              </a:prstGeom>
+              <a:noFill/>
+            </p:spPr>
+            <p:txBody>
+              <a:bodyPr wrap="square" rtlCol="0">
+                <a:spAutoFit/>
+              </a:bodyPr>
+              <a:lstStyle/>
+              <a:p>
+                <a:pPr algn="ctr"/>
+                <a:r>
+                  <a:rPr lang="en-US" sz="2600" smtClean="0">
+                    <a:latin typeface="Book Antiqua" charset="0"/>
+                    <a:ea typeface="Book Antiqua" charset="0"/>
+                    <a:cs typeface="Book Antiqua" charset="0"/>
+                  </a:rPr>
+                  <a:t>Normalized</a:t>
+                </a:r>
+              </a:p>
+              <a:p>
+                <a:pPr algn="ctr"/>
+                <a:r>
+                  <a:rPr lang="en-US" sz="2600" dirty="0" smtClean="0">
+                    <a:latin typeface="Book Antiqua" charset="0"/>
+                    <a:ea typeface="Book Antiqua" charset="0"/>
+                    <a:cs typeface="Book Antiqua" charset="0"/>
+                  </a:rPr>
+                  <a:t>Expression</a:t>
+                </a:r>
+                <a:endParaRPr lang="en-US" sz="2600" dirty="0">
+                  <a:latin typeface="Book Antiqua" charset="0"/>
+                  <a:ea typeface="Book Antiqua" charset="0"/>
+                  <a:cs typeface="Book Antiqua" charset="0"/>
+                </a:endParaRPr>
+              </a:p>
+            </p:txBody>
+          </p:sp>
+        </p:grpSp>
+        <p:sp>
+          <p:nvSpPr>
+            <p:cNvPr id="38" name="TextBox 37"/>
+            <p:cNvSpPr txBox="1"/>
+            <p:nvPr/>
+          </p:nvSpPr>
+          <p:spPr>
+            <a:xfrm>
+              <a:off x="20350997" y="12283318"/>
+              <a:ext cx="2137100" cy="492443"/>
+            </a:xfrm>
+            <a:prstGeom prst="rect">
+              <a:avLst/>
+            </a:prstGeom>
+            <a:noFill/>
+          </p:spPr>
+          <p:txBody>
+            <a:bodyPr wrap="square" rtlCol="0">
+              <a:spAutoFit/>
+            </a:bodyPr>
+            <a:lstStyle/>
+            <a:p>
+              <a:pPr algn="ctr"/>
+              <a:r>
+                <a:rPr lang="en-US" sz="2600" dirty="0" smtClean="0">
+                  <a:latin typeface="Book Antiqua" charset="0"/>
+                  <a:ea typeface="Book Antiqua" charset="0"/>
+                  <a:cs typeface="Book Antiqua" charset="0"/>
+                </a:rPr>
+                <a:t>% </a:t>
+              </a:r>
+              <a:r>
+                <a:rPr lang="en-US" sz="2600" i="1" smtClean="0">
+                  <a:latin typeface="Book Antiqua" charset="0"/>
+                  <a:ea typeface="Book Antiqua" charset="0"/>
+                  <a:cs typeface="Book Antiqua" charset="0"/>
+                </a:rPr>
+                <a:t>wt</a:t>
+              </a:r>
+              <a:r>
+                <a:rPr lang="en-US" sz="2600" dirty="0" smtClean="0">
+                  <a:latin typeface="Book Antiqua" charset="0"/>
+                  <a:ea typeface="Book Antiqua" charset="0"/>
+                  <a:cs typeface="Book Antiqua" charset="0"/>
+                </a:rPr>
+                <a:t> RpoS</a:t>
+              </a:r>
+              <a:endParaRPr lang="en-US" sz="2600" dirty="0">
+                <a:latin typeface="Book Antiqua" charset="0"/>
+                <a:ea typeface="Book Antiqua" charset="0"/>
+                <a:cs typeface="Book Antiqua" charset="0"/>
+              </a:endParaRPr>
+            </a:p>
+          </p:txBody>
+        </p:sp>
+      </p:grpSp>
+      <p:sp>
+        <p:nvSpPr>
+          <p:cNvPr id="19" name="TextBox 18"/>
+          <p:cNvSpPr txBox="1"/>
+          <p:nvPr/>
+        </p:nvSpPr>
+        <p:spPr>
+          <a:xfrm>
+            <a:off x="14846922" y="14464879"/>
+            <a:ext cx="13432892" cy="1015663"/>
+          </a:xfrm>
+          <a:prstGeom prst="rect">
+            <a:avLst/>
+          </a:prstGeom>
+          <a:noFill/>
+        </p:spPr>
+        <p:txBody>
+          <a:bodyPr wrap="square" rtlCol="0">
+            <a:spAutoFit/>
+          </a:bodyPr>
+          <a:lstStyle/>
+          <a:p>
+            <a:r>
+              <a:rPr lang="en-US" sz="2000" i="1" dirty="0" smtClean="0">
+                <a:latin typeface="Book Antiqua" charset="0"/>
+                <a:ea typeface="Book Antiqua" charset="0"/>
+                <a:cs typeface="Book Antiqua" charset="0"/>
+              </a:rPr>
+              <a:t>Figure 1: (A) expression profile of osmY gene (a linear gene) with respect to RpoS concentration, (B) expression profile of astA (a sensitive gene) with respect to RpoS concentration, </a:t>
+            </a:r>
+            <a:r>
+              <a:rPr lang="de-DE" sz="2000" i="1" dirty="0" smtClean="0">
+                <a:latin typeface="Book Antiqua" charset="0"/>
+                <a:ea typeface="Book Antiqua" charset="0"/>
+                <a:cs typeface="Book Antiqua" charset="0"/>
+              </a:rPr>
+              <a:t>(C) expression profile of gadC (an insensitive gene) with respect to RpoS concentration. Adapted from Fong et al. 2017.</a:t>
+            </a:r>
+            <a:endParaRPr lang="en-US" sz="2000" i="1" dirty="0">
+              <a:latin typeface="Book Antiqua" charset="0"/>
+              <a:ea typeface="Book Antiqua" charset="0"/>
+              <a:cs typeface="Book Antiqua" charset="0"/>
+            </a:endParaRPr>
+          </a:p>
+        </p:txBody>
+      </p:sp>
+      <p:sp>
+        <p:nvSpPr>
+          <p:cNvPr id="42" name="Rectangle 41"/>
+          <p:cNvSpPr/>
+          <p:nvPr/>
+        </p:nvSpPr>
+        <p:spPr>
+          <a:xfrm>
+            <a:off x="48373" y="43003138"/>
+            <a:ext cx="29260800" cy="914400"/>
+          </a:xfrm>
+          <a:prstGeom prst="rect">
+            <a:avLst/>
+          </a:prstGeom>
+        </p:spPr>
+        <p:style>
+          <a:lnRef idx="2">
+            <a:schemeClr val="accent1">
+              <a:shade val="50000"/>
+            </a:schemeClr>
+          </a:lnRef>
+          <a:fillRef idx="1">
+            <a:schemeClr val="accent1"/>
+          </a:fillRef>
+          <a:effectRef idx="0">
+            <a:schemeClr val="accent1"/>
+          </a:effectRef>
+          <a:fontRef idx="minor">
+            <a:schemeClr val="lt1"/>
+          </a:fontRef>
+        </p:style>
+        <p:txBody>
+          <a:bodyPr rtlCol="0" anchor="ctr"/>
+          <a:lstStyle/>
+          <a:p>
+            <a:pPr algn="ctr"/>
+            <a:endParaRPr lang="en-US"/>
           </a:p>
         </p:txBody>
       </p:sp>
